--- a/Junior_ex1_inMac.pptx
+++ b/Junior_ex1_inMac.pptx
@@ -6,10 +6,10 @@
     <p:sldMasterId id="2147483650" r:id="rId2"/>
   </p:sldMasterIdLst>
   <p:notesMasterIdLst>
-    <p:notesMasterId r:id="rId28"/>
+    <p:notesMasterId r:id="rId29"/>
   </p:notesMasterIdLst>
   <p:handoutMasterIdLst>
-    <p:handoutMasterId r:id="rId29"/>
+    <p:handoutMasterId r:id="rId30"/>
   </p:handoutMasterIdLst>
   <p:sldIdLst>
     <p:sldId id="256" r:id="rId3"/>
@@ -27,16 +27,17 @@
     <p:sldId id="281" r:id="rId15"/>
     <p:sldId id="258" r:id="rId16"/>
     <p:sldId id="285" r:id="rId17"/>
-    <p:sldId id="284" r:id="rId18"/>
-    <p:sldId id="286" r:id="rId19"/>
-    <p:sldId id="287" r:id="rId20"/>
-    <p:sldId id="288" r:id="rId21"/>
-    <p:sldId id="289" r:id="rId22"/>
-    <p:sldId id="282" r:id="rId23"/>
-    <p:sldId id="280" r:id="rId24"/>
-    <p:sldId id="273" r:id="rId25"/>
-    <p:sldId id="260" r:id="rId26"/>
-    <p:sldId id="262" r:id="rId27"/>
+    <p:sldId id="290" r:id="rId18"/>
+    <p:sldId id="284" r:id="rId19"/>
+    <p:sldId id="286" r:id="rId20"/>
+    <p:sldId id="287" r:id="rId21"/>
+    <p:sldId id="288" r:id="rId22"/>
+    <p:sldId id="289" r:id="rId23"/>
+    <p:sldId id="282" r:id="rId24"/>
+    <p:sldId id="280" r:id="rId25"/>
+    <p:sldId id="273" r:id="rId26"/>
+    <p:sldId id="260" r:id="rId27"/>
+    <p:sldId id="262" r:id="rId28"/>
   </p:sldIdLst>
   <p:sldSz cx="9144000" cy="6858000" type="screen4x3"/>
   <p:notesSz cx="6858000" cy="9144000"/>
@@ -269,7 +270,7 @@
           <a:p>
             <a:fld id="{3CC3B301-6AD0-4EF1-8C9C-DD575F813754}" type="datetimeFigureOut">
               <a:rPr kumimoji="1" lang="ja-JP" altLang="en-US" smtClean="0"/>
-              <a:t>2018/10/12</a:t>
+              <a:t>2018/10/14</a:t>
             </a:fld>
             <a:endParaRPr kumimoji="1" lang="ja-JP" altLang="en-US"/>
           </a:p>
@@ -1252,7 +1253,7 @@
             <a:fld id="{E7362F10-D53D-4EFF-B860-B9ED8DA13188}" type="slidenum">
               <a:rPr lang="en-US" altLang="ja-JP"/>
               <a:pPr/>
-              <a:t>22</a:t>
+              <a:t>23</a:t>
             </a:fld>
             <a:endParaRPr lang="en-US" altLang="ja-JP"/>
           </a:p>
@@ -6884,6 +6885,12 @@
               </a:rPr>
               <a:t>プログラミング課題（第一回，第二回）</a:t>
             </a:r>
+            <a:r>
+              <a:rPr lang="en-US" altLang="ja-JP" dirty="0">
+                <a:latin typeface="Arial" panose="020B0604020202020204" pitchFamily="34" charset="0"/>
+              </a:rPr>
+              <a:t/>
+            </a:r>
             <a:br>
               <a:rPr lang="en-US" altLang="ja-JP" dirty="0">
                 <a:latin typeface="Arial" panose="020B0604020202020204" pitchFamily="34" charset="0"/>
@@ -7007,8 +7014,8 @@
           </a:p>
         </p:txBody>
       </p:sp>
-      <mc:AlternateContent xmlns:mc="http://schemas.openxmlformats.org/markup-compatibility/2006">
-        <mc:Choice xmlns:a14="http://schemas.microsoft.com/office/drawing/2010/main" Requires="a14">
+      <mc:AlternateContent xmlns:mc="http://schemas.openxmlformats.org/markup-compatibility/2006" xmlns:a14="http://schemas.microsoft.com/office/drawing/2010/main">
+        <mc:Choice Requires="a14">
           <p:sp>
             <p:nvSpPr>
               <p:cNvPr id="3" name="コンテンツ プレースホルダー 2">
@@ -7050,7 +7057,7 @@
                             <a:solidFill>
                               <a:schemeClr val="tx1"/>
                             </a:solidFill>
-                            <a:latin typeface="+mj-lt"/>
+                            <a:latin typeface="Cambria Math" panose="02040503050406030204" pitchFamily="18" charset="0"/>
                           </a:rPr>
                         </m:ctrlPr>
                       </m:sSubPr>
@@ -7060,7 +7067,7 @@
                             <a:solidFill>
                               <a:schemeClr val="tx1"/>
                             </a:solidFill>
-                            <a:latin typeface="+mj-lt"/>
+                            <a:latin typeface="Cambria Math" panose="02040503050406030204" pitchFamily="18" charset="0"/>
                           </a:rPr>
                           <m:t>𝐼</m:t>
                         </m:r>
@@ -7071,7 +7078,7 @@
                             <a:solidFill>
                               <a:schemeClr val="tx1"/>
                             </a:solidFill>
-                            <a:latin typeface="+mj-lt"/>
+                            <a:latin typeface="Cambria Math" panose="02040503050406030204" pitchFamily="18" charset="0"/>
                           </a:rPr>
                           <m:t>𝑖</m:t>
                         </m:r>
@@ -7096,7 +7103,7 @@
                             <a:solidFill>
                               <a:schemeClr val="tx1"/>
                             </a:solidFill>
-                            <a:latin typeface="+mj-lt"/>
+                            <a:latin typeface="Cambria Math" panose="02040503050406030204" pitchFamily="18" charset="0"/>
                           </a:rPr>
                         </m:ctrlPr>
                       </m:sSubPr>
@@ -7106,7 +7113,7 @@
                             <a:solidFill>
                               <a:schemeClr val="tx1"/>
                             </a:solidFill>
-                            <a:latin typeface="+mj-lt"/>
+                            <a:latin typeface="Cambria Math" panose="02040503050406030204" pitchFamily="18" charset="0"/>
                           </a:rPr>
                           <m:t>𝑜</m:t>
                         </m:r>
@@ -7117,7 +7124,7 @@
                             <a:solidFill>
                               <a:schemeClr val="tx1"/>
                             </a:solidFill>
-                            <a:latin typeface="+mj-lt"/>
+                            <a:latin typeface="Cambria Math" panose="02040503050406030204" pitchFamily="18" charset="0"/>
                           </a:rPr>
                           <m:t>𝑝𝑖</m:t>
                         </m:r>
@@ -7143,7 +7150,7 @@
                             <a:solidFill>
                               <a:schemeClr val="tx1"/>
                             </a:solidFill>
-                            <a:latin typeface="+mj-lt"/>
+                            <a:latin typeface="Cambria Math" panose="02040503050406030204" pitchFamily="18" charset="0"/>
                           </a:rPr>
                         </m:ctrlPr>
                       </m:sSubPr>
@@ -7153,7 +7160,7 @@
                             <a:solidFill>
                               <a:schemeClr val="tx1"/>
                             </a:solidFill>
-                            <a:latin typeface="+mj-lt"/>
+                            <a:latin typeface="Cambria Math" panose="02040503050406030204" pitchFamily="18" charset="0"/>
                           </a:rPr>
                           <m:t>𝑜</m:t>
                         </m:r>
@@ -7164,7 +7171,7 @@
                             <a:solidFill>
                               <a:schemeClr val="tx1"/>
                             </a:solidFill>
-                            <a:latin typeface="+mj-lt"/>
+                            <a:latin typeface="Cambria Math" panose="02040503050406030204" pitchFamily="18" charset="0"/>
                           </a:rPr>
                           <m:t>𝑝𝑖</m:t>
                         </m:r>
@@ -7175,6 +7182,7 @@
                         <a:solidFill>
                           <a:schemeClr val="tx1"/>
                         </a:solidFill>
+                        <a:latin typeface="Cambria Math" panose="02040503050406030204" pitchFamily="18" charset="0"/>
                       </a:rPr>
                       <m:t>=</m:t>
                     </m:r>
@@ -7185,7 +7193,7 @@
                             <a:solidFill>
                               <a:schemeClr val="tx1"/>
                             </a:solidFill>
-                            <a:latin typeface="+mj-lt"/>
+                            <a:latin typeface="Cambria Math" panose="02040503050406030204" pitchFamily="18" charset="0"/>
                           </a:rPr>
                         </m:ctrlPr>
                       </m:sSubPr>
@@ -7195,7 +7203,7 @@
                             <a:solidFill>
                               <a:schemeClr val="tx1"/>
                             </a:solidFill>
-                            <a:latin typeface="+mj-lt"/>
+                            <a:latin typeface="Cambria Math" panose="02040503050406030204" pitchFamily="18" charset="0"/>
                           </a:rPr>
                           <m:t>𝑥</m:t>
                         </m:r>
@@ -7206,7 +7214,7 @@
                             <a:solidFill>
                               <a:schemeClr val="tx1"/>
                             </a:solidFill>
-                            <a:latin typeface="+mj-lt"/>
+                            <a:latin typeface="Cambria Math" panose="02040503050406030204" pitchFamily="18" charset="0"/>
                           </a:rPr>
                           <m:t>𝑝𝑖</m:t>
                         </m:r>
@@ -7250,7 +7258,7 @@
                             <a:solidFill>
                               <a:schemeClr val="tx1"/>
                             </a:solidFill>
-                            <a:latin typeface="+mj-lt"/>
+                            <a:latin typeface="Cambria Math" panose="02040503050406030204" pitchFamily="18" charset="0"/>
                           </a:rPr>
                         </m:ctrlPr>
                       </m:sSubPr>
@@ -7260,7 +7268,7 @@
                             <a:solidFill>
                               <a:schemeClr val="tx1"/>
                             </a:solidFill>
-                            <a:latin typeface="+mj-lt"/>
+                            <a:latin typeface="Cambria Math" panose="02040503050406030204" pitchFamily="18" charset="0"/>
                           </a:rPr>
                           <m:t>𝐽</m:t>
                         </m:r>
@@ -7271,7 +7279,7 @@
                             <a:solidFill>
                               <a:schemeClr val="tx1"/>
                             </a:solidFill>
-                            <a:latin typeface="+mj-lt"/>
+                            <a:latin typeface="Cambria Math" panose="02040503050406030204" pitchFamily="18" charset="0"/>
                           </a:rPr>
                           <m:t>𝑗</m:t>
                         </m:r>
@@ -7293,14 +7301,14 @@
                       <m:sSubPr>
                         <m:ctrlPr>
                           <a:rPr lang="en-US" altLang="ja-JP" sz="2800" i="1" dirty="0">
-                            <a:latin typeface="+mj-lt"/>
+                            <a:latin typeface="Cambria Math" panose="02040503050406030204" pitchFamily="18" charset="0"/>
                           </a:rPr>
                         </m:ctrlPr>
                       </m:sSubPr>
                       <m:e>
                         <m:r>
                           <a:rPr lang="en-US" altLang="ja-JP" sz="2800" i="1" dirty="0">
-                            <a:latin typeface="+mj-lt"/>
+                            <a:latin typeface="Cambria Math" panose="02040503050406030204" pitchFamily="18" charset="0"/>
                           </a:rPr>
                           <m:t>𝑜</m:t>
                         </m:r>
@@ -7308,13 +7316,13 @@
                       <m:sub>
                         <m:r>
                           <a:rPr lang="en-US" altLang="ja-JP" sz="2800" i="1" dirty="0">
-                            <a:latin typeface="+mj-lt"/>
+                            <a:latin typeface="Cambria Math" panose="02040503050406030204" pitchFamily="18" charset="0"/>
                           </a:rPr>
                           <m:t>𝑝</m:t>
                         </m:r>
                         <m:r>
                           <a:rPr lang="en-US" altLang="ja-JP" sz="2800" b="0" i="1" dirty="0">
-                            <a:latin typeface="+mj-lt"/>
+                            <a:latin typeface="Cambria Math" panose="02040503050406030204" pitchFamily="18" charset="0"/>
                           </a:rPr>
                           <m:t>𝑗</m:t>
                         </m:r>
@@ -7340,7 +7348,7 @@
                             <a:solidFill>
                               <a:schemeClr val="tx1"/>
                             </a:solidFill>
-                            <a:latin typeface="+mj-lt"/>
+                            <a:latin typeface="Cambria Math" panose="02040503050406030204" pitchFamily="18" charset="0"/>
                           </a:rPr>
                         </m:ctrlPr>
                       </m:sSubPr>
@@ -7350,7 +7358,7 @@
                             <a:solidFill>
                               <a:schemeClr val="tx1"/>
                             </a:solidFill>
-                            <a:latin typeface="+mj-lt"/>
+                            <a:latin typeface="Cambria Math" panose="02040503050406030204" pitchFamily="18" charset="0"/>
                           </a:rPr>
                           <m:t>𝑜</m:t>
                         </m:r>
@@ -7361,7 +7369,7 @@
                             <a:solidFill>
                               <a:schemeClr val="tx1"/>
                             </a:solidFill>
-                            <a:latin typeface="+mj-lt"/>
+                            <a:latin typeface="Cambria Math" panose="02040503050406030204" pitchFamily="18" charset="0"/>
                           </a:rPr>
                           <m:t>𝑝𝑗</m:t>
                         </m:r>
@@ -7372,6 +7380,7 @@
                         <a:solidFill>
                           <a:schemeClr val="tx1"/>
                         </a:solidFill>
+                        <a:latin typeface="Cambria Math" panose="02040503050406030204" pitchFamily="18" charset="0"/>
                       </a:rPr>
                       <m:t>=</m:t>
                     </m:r>
@@ -7414,20 +7423,27 @@
                             <a:solidFill>
                               <a:schemeClr val="tx1"/>
                             </a:solidFill>
-                            <a:latin typeface="+mj-lt"/>
+                            <a:latin typeface="Cambria Math" panose="02040503050406030204" pitchFamily="18" charset="0"/>
                           </a:rPr>
                           <m:t>𝑖</m:t>
                         </m:r>
                         <m:r>
-                          <m:rPr>
-                            <m:brk m:alnAt="23"/>
-                          </m:rPr>
                           <a:rPr lang="en-US" altLang="ja-JP" sz="2400" b="0" i="1" dirty="0">
                             <a:solidFill>
                               <a:schemeClr val="tx1"/>
                             </a:solidFill>
+                            <a:latin typeface="Cambria Math" panose="02040503050406030204" pitchFamily="18" charset="0"/>
                           </a:rPr>
-                          <m:t>=1</m:t>
+                          <m:t>=</m:t>
+                        </m:r>
+                        <m:r>
+                          <a:rPr lang="en-US" altLang="ja-JP" sz="2400" b="0" i="1" dirty="0">
+                            <a:solidFill>
+                              <a:schemeClr val="tx1"/>
+                            </a:solidFill>
+                            <a:latin typeface="Cambria Math" panose="02040503050406030204" pitchFamily="18" charset="0"/>
+                          </a:rPr>
+                          <m:t>1</m:t>
                         </m:r>
                       </m:sub>
                       <m:sup>
@@ -7438,7 +7454,7 @@
                                 <a:solidFill>
                                   <a:schemeClr val="tx1"/>
                                 </a:solidFill>
-                                <a:latin typeface="+mj-lt"/>
+                                <a:latin typeface="Cambria Math" panose="02040503050406030204" pitchFamily="18" charset="0"/>
                               </a:rPr>
                             </m:ctrlPr>
                           </m:sSubPr>
@@ -7448,7 +7464,7 @@
                                 <a:solidFill>
                                   <a:schemeClr val="tx1"/>
                                 </a:solidFill>
-                                <a:latin typeface="+mj-lt"/>
+                                <a:latin typeface="Cambria Math" panose="02040503050406030204" pitchFamily="18" charset="0"/>
                               </a:rPr>
                               <m:t>𝑛</m:t>
                             </m:r>
@@ -7459,7 +7475,7 @@
                                 <a:solidFill>
                                   <a:schemeClr val="tx1"/>
                                 </a:solidFill>
-                                <a:latin typeface="+mj-lt"/>
+                                <a:latin typeface="Cambria Math" panose="02040503050406030204" pitchFamily="18" charset="0"/>
                               </a:rPr>
                               <m:t>1</m:t>
                             </m:r>
@@ -7474,7 +7490,7 @@
                                 <a:solidFill>
                                   <a:schemeClr val="tx1"/>
                                 </a:solidFill>
-                                <a:latin typeface="+mj-lt"/>
+                                <a:latin typeface="Cambria Math" panose="02040503050406030204" pitchFamily="18" charset="0"/>
                               </a:rPr>
                             </m:ctrlPr>
                           </m:sSubPr>
@@ -7484,7 +7500,7 @@
                                 <a:solidFill>
                                   <a:schemeClr val="tx1"/>
                                 </a:solidFill>
-                                <a:latin typeface="+mj-lt"/>
+                                <a:latin typeface="Cambria Math" panose="02040503050406030204" pitchFamily="18" charset="0"/>
                               </a:rPr>
                               <m:t>𝑤</m:t>
                             </m:r>
@@ -7495,7 +7511,7 @@
                                 <a:solidFill>
                                   <a:schemeClr val="tx1"/>
                                 </a:solidFill>
-                                <a:latin typeface="+mj-lt"/>
+                                <a:latin typeface="Cambria Math" panose="02040503050406030204" pitchFamily="18" charset="0"/>
                               </a:rPr>
                               <m:t>𝑗𝑖</m:t>
                             </m:r>
@@ -7518,7 +7534,7 @@
                                 <a:solidFill>
                                   <a:schemeClr val="tx1"/>
                                 </a:solidFill>
-                                <a:latin typeface="+mj-lt"/>
+                                <a:latin typeface="Cambria Math" panose="02040503050406030204" pitchFamily="18" charset="0"/>
                                 <a:ea typeface="Cambria Math" panose="02040503050406030204" pitchFamily="18" charset="0"/>
                               </a:rPr>
                             </m:ctrlPr>
@@ -7529,7 +7545,7 @@
                                 <a:solidFill>
                                   <a:schemeClr val="tx1"/>
                                 </a:solidFill>
-                                <a:latin typeface="+mj-lt"/>
+                                <a:latin typeface="Cambria Math" panose="02040503050406030204" pitchFamily="18" charset="0"/>
                                 <a:ea typeface="Cambria Math" panose="02040503050406030204" pitchFamily="18" charset="0"/>
                               </a:rPr>
                               <m:t>𝜃</m:t>
@@ -7541,7 +7557,7 @@
                                 <a:solidFill>
                                   <a:schemeClr val="tx1"/>
                                 </a:solidFill>
-                                <a:latin typeface="+mj-lt"/>
+                                <a:latin typeface="Cambria Math" panose="02040503050406030204" pitchFamily="18" charset="0"/>
                                 <a:ea typeface="Cambria Math" panose="02040503050406030204" pitchFamily="18" charset="0"/>
                               </a:rPr>
                               <m:t>𝑗</m:t>
@@ -7597,7 +7613,7 @@
                             <a:solidFill>
                               <a:schemeClr val="tx1"/>
                             </a:solidFill>
-                            <a:latin typeface="+mj-lt"/>
+                            <a:latin typeface="Cambria Math" panose="02040503050406030204" pitchFamily="18" charset="0"/>
                           </a:rPr>
                         </m:ctrlPr>
                       </m:sSubPr>
@@ -7607,7 +7623,7 @@
                             <a:solidFill>
                               <a:schemeClr val="tx1"/>
                             </a:solidFill>
-                            <a:latin typeface="+mj-lt"/>
+                            <a:latin typeface="Cambria Math" panose="02040503050406030204" pitchFamily="18" charset="0"/>
                           </a:rPr>
                           <m:t>𝐾</m:t>
                         </m:r>
@@ -7618,7 +7634,7 @@
                             <a:solidFill>
                               <a:schemeClr val="tx1"/>
                             </a:solidFill>
-                            <a:latin typeface="+mj-lt"/>
+                            <a:latin typeface="Cambria Math" panose="02040503050406030204" pitchFamily="18" charset="0"/>
                           </a:rPr>
                           <m:t>𝑘</m:t>
                         </m:r>
@@ -7640,14 +7656,14 @@
                       <m:sSubPr>
                         <m:ctrlPr>
                           <a:rPr lang="en-US" altLang="ja-JP" sz="2800" i="1" dirty="0">
-                            <a:latin typeface="+mj-lt"/>
+                            <a:latin typeface="Cambria Math" panose="02040503050406030204" pitchFamily="18" charset="0"/>
                           </a:rPr>
                         </m:ctrlPr>
                       </m:sSubPr>
                       <m:e>
                         <m:r>
                           <a:rPr lang="en-US" altLang="ja-JP" sz="2800" i="1" dirty="0">
-                            <a:latin typeface="+mj-lt"/>
+                            <a:latin typeface="Cambria Math" panose="02040503050406030204" pitchFamily="18" charset="0"/>
                           </a:rPr>
                           <m:t>𝑜</m:t>
                         </m:r>
@@ -7655,13 +7671,13 @@
                       <m:sub>
                         <m:r>
                           <a:rPr lang="en-US" altLang="ja-JP" sz="2800" i="1" dirty="0">
-                            <a:latin typeface="+mj-lt"/>
+                            <a:latin typeface="Cambria Math" panose="02040503050406030204" pitchFamily="18" charset="0"/>
                           </a:rPr>
                           <m:t>𝑝</m:t>
                         </m:r>
                         <m:r>
                           <a:rPr lang="en-US" altLang="ja-JP" sz="2800" b="0" i="1" dirty="0">
-                            <a:latin typeface="+mj-lt"/>
+                            <a:latin typeface="Cambria Math" panose="02040503050406030204" pitchFamily="18" charset="0"/>
                           </a:rPr>
                           <m:t>𝑘</m:t>
                         </m:r>
@@ -7684,14 +7700,14 @@
                       <m:sSubPr>
                         <m:ctrlPr>
                           <a:rPr lang="en-US" altLang="ja-JP" sz="2400" i="1" dirty="0">
-                            <a:latin typeface="+mj-lt"/>
+                            <a:latin typeface="Cambria Math" panose="02040503050406030204" pitchFamily="18" charset="0"/>
                           </a:rPr>
                         </m:ctrlPr>
                       </m:sSubPr>
                       <m:e>
                         <m:r>
                           <a:rPr lang="en-US" altLang="ja-JP" sz="2400" i="1" dirty="0">
-                            <a:latin typeface="+mj-lt"/>
+                            <a:latin typeface="Cambria Math" panose="02040503050406030204" pitchFamily="18" charset="0"/>
                           </a:rPr>
                           <m:t>𝑜</m:t>
                         </m:r>
@@ -7699,13 +7715,13 @@
                       <m:sub>
                         <m:r>
                           <a:rPr lang="en-US" altLang="ja-JP" sz="2400" i="1" dirty="0">
-                            <a:latin typeface="+mj-lt"/>
+                            <a:latin typeface="Cambria Math" panose="02040503050406030204" pitchFamily="18" charset="0"/>
                           </a:rPr>
                           <m:t>𝑝</m:t>
                         </m:r>
                         <m:r>
                           <a:rPr lang="en-US" altLang="ja-JP" sz="2400" b="0" i="1" dirty="0">
-                            <a:latin typeface="+mj-lt"/>
+                            <a:latin typeface="Cambria Math" panose="02040503050406030204" pitchFamily="18" charset="0"/>
                           </a:rPr>
                           <m:t>𝑘</m:t>
                         </m:r>
@@ -7741,7 +7757,7 @@
                       <m:sub>
                         <m:r>
                           <a:rPr lang="en-US" altLang="ja-JP" sz="2400" b="0" i="1" dirty="0">
-                            <a:latin typeface="+mj-lt"/>
+                            <a:latin typeface="Cambria Math" panose="02040503050406030204" pitchFamily="18" charset="0"/>
                           </a:rPr>
                           <m:t>𝑗</m:t>
                         </m:r>
@@ -7766,14 +7782,14 @@
                           <m:sSubPr>
                             <m:ctrlPr>
                               <a:rPr lang="en-US" altLang="ja-JP" sz="2400" i="1" dirty="0">
-                                <a:latin typeface="+mj-lt"/>
+                                <a:latin typeface="Cambria Math" panose="02040503050406030204" pitchFamily="18" charset="0"/>
                               </a:rPr>
                             </m:ctrlPr>
                           </m:sSubPr>
                           <m:e>
                             <m:r>
                               <a:rPr lang="en-US" altLang="ja-JP" sz="2400" i="1" dirty="0">
-                                <a:latin typeface="+mj-lt"/>
+                                <a:latin typeface="Cambria Math" panose="02040503050406030204" pitchFamily="18" charset="0"/>
                               </a:rPr>
                               <m:t>𝑛</m:t>
                             </m:r>
@@ -7781,7 +7797,7 @@
                           <m:sub>
                             <m:r>
                               <a:rPr lang="en-US" altLang="ja-JP" sz="2400" b="0" i="1" dirty="0">
-                                <a:latin typeface="+mj-lt"/>
+                                <a:latin typeface="Cambria Math" panose="02040503050406030204" pitchFamily="18" charset="0"/>
                               </a:rPr>
                               <m:t>2</m:t>
                             </m:r>
@@ -7793,14 +7809,14 @@
                           <m:sSubPr>
                             <m:ctrlPr>
                               <a:rPr lang="en-US" altLang="ja-JP" sz="2400" i="1" dirty="0">
-                                <a:latin typeface="+mj-lt"/>
+                                <a:latin typeface="Cambria Math" panose="02040503050406030204" pitchFamily="18" charset="0"/>
                               </a:rPr>
                             </m:ctrlPr>
                           </m:sSubPr>
                           <m:e>
                             <m:r>
                               <a:rPr lang="en-US" altLang="ja-JP" sz="2400" i="1" dirty="0">
-                                <a:latin typeface="+mj-lt"/>
+                                <a:latin typeface="Cambria Math" panose="02040503050406030204" pitchFamily="18" charset="0"/>
                               </a:rPr>
                               <m:t>𝑤</m:t>
                             </m:r>
@@ -7808,7 +7824,7 @@
                           <m:sub>
                             <m:r>
                               <a:rPr lang="en-US" altLang="ja-JP" sz="2400" b="0" i="1" dirty="0">
-                                <a:latin typeface="+mj-lt"/>
+                                <a:latin typeface="Cambria Math" panose="02040503050406030204" pitchFamily="18" charset="0"/>
                               </a:rPr>
                               <m:t>𝑘𝑗</m:t>
                             </m:r>
@@ -7816,7 +7832,7 @@
                         </m:sSub>
                         <m:r>
                           <a:rPr lang="en-US" altLang="ja-JP" sz="2400" i="1" dirty="0">
-                            <a:latin typeface="+mj-lt"/>
+                            <a:latin typeface="Cambria Math" panose="02040503050406030204" pitchFamily="18" charset="0"/>
                             <a:ea typeface="Cambria Math" panose="02040503050406030204" pitchFamily="18" charset="0"/>
                           </a:rPr>
                           <m:t>∙</m:t>
@@ -7825,7 +7841,7 @@
                           <m:sSubPr>
                             <m:ctrlPr>
                               <a:rPr lang="en-US" altLang="ja-JP" sz="2400" i="1" dirty="0">
-                                <a:latin typeface="+mj-lt"/>
+                                <a:latin typeface="Cambria Math" panose="02040503050406030204" pitchFamily="18" charset="0"/>
                                 <a:ea typeface="Cambria Math" panose="02040503050406030204" pitchFamily="18" charset="0"/>
                               </a:rPr>
                             </m:ctrlPr>
@@ -7833,7 +7849,7 @@
                           <m:e>
                             <m:r>
                               <a:rPr lang="en-US" altLang="ja-JP" sz="2400" i="1" dirty="0">
-                                <a:latin typeface="+mj-lt"/>
+                                <a:latin typeface="Cambria Math" panose="02040503050406030204" pitchFamily="18" charset="0"/>
                                 <a:ea typeface="Cambria Math" panose="02040503050406030204" pitchFamily="18" charset="0"/>
                               </a:rPr>
                               <m:t>𝜃</m:t>
@@ -7842,7 +7858,7 @@
                           <m:sub>
                             <m:r>
                               <a:rPr lang="en-US" altLang="ja-JP" sz="2400" b="0" i="1" dirty="0">
-                                <a:latin typeface="+mj-lt"/>
+                                <a:latin typeface="Cambria Math" panose="02040503050406030204" pitchFamily="18" charset="0"/>
                                 <a:ea typeface="Cambria Math" panose="02040503050406030204" pitchFamily="18" charset="0"/>
                               </a:rPr>
                               <m:t>𝑘</m:t>
@@ -7876,7 +7892,7 @@
             </p:txBody>
           </p:sp>
         </mc:Choice>
-        <mc:Fallback>
+        <mc:Fallback xmlns="">
           <p:sp>
             <p:nvSpPr>
               <p:cNvPr id="3" name="コンテンツ プレースホルダー 2">
@@ -7974,8 +7990,8 @@
           </a:p>
         </p:txBody>
       </p:sp>
-      <mc:AlternateContent xmlns:mc="http://schemas.openxmlformats.org/markup-compatibility/2006">
-        <mc:Choice xmlns:a14="http://schemas.microsoft.com/office/drawing/2010/main" Requires="a14">
+      <mc:AlternateContent xmlns:mc="http://schemas.openxmlformats.org/markup-compatibility/2006" xmlns:a14="http://schemas.microsoft.com/office/drawing/2010/main">
+        <mc:Choice Requires="a14">
           <p:sp>
             <p:nvSpPr>
               <p:cNvPr id="3" name="コンテンツ プレースホルダー 2">
@@ -8020,14 +8036,14 @@
                       <m:sSubPr>
                         <m:ctrlPr>
                           <a:rPr kumimoji="1" lang="en-US" altLang="ja-JP" sz="2800" i="1">
-                            <a:latin typeface="+mj-lt"/>
+                            <a:latin typeface="Cambria Math" panose="02040503050406030204" pitchFamily="18" charset="0"/>
                           </a:rPr>
                         </m:ctrlPr>
                       </m:sSubPr>
                       <m:e>
                         <m:r>
                           <a:rPr kumimoji="1" lang="en-US" altLang="ja-JP" sz="2800" b="0" i="1">
-                            <a:latin typeface="+mj-lt"/>
+                            <a:latin typeface="Cambria Math" panose="02040503050406030204" pitchFamily="18" charset="0"/>
                           </a:rPr>
                           <m:t>𝑡</m:t>
                         </m:r>
@@ -8035,7 +8051,7 @@
                       <m:sub>
                         <m:r>
                           <a:rPr kumimoji="1" lang="en-US" altLang="ja-JP" sz="2800" b="0" i="1">
-                            <a:latin typeface="+mj-lt"/>
+                            <a:latin typeface="Cambria Math" panose="02040503050406030204" pitchFamily="18" charset="0"/>
                           </a:rPr>
                           <m:t>𝑝</m:t>
                         </m:r>
@@ -8092,7 +8108,7 @@
                             <a:solidFill>
                               <a:srgbClr val="FF0000"/>
                             </a:solidFill>
-                            <a:latin typeface="+mj-lt"/>
+                            <a:latin typeface="Cambria Math" panose="02040503050406030204" pitchFamily="18" charset="0"/>
                           </a:rPr>
                         </m:ctrlPr>
                       </m:sSubPr>
@@ -8102,7 +8118,7 @@
                             <a:solidFill>
                               <a:srgbClr val="FF0000"/>
                             </a:solidFill>
-                            <a:latin typeface="+mj-lt"/>
+                            <a:latin typeface="Cambria Math" panose="02040503050406030204" pitchFamily="18" charset="0"/>
                           </a:rPr>
                           <m:t>𝐸</m:t>
                         </m:r>
@@ -8113,7 +8129,7 @@
                             <a:solidFill>
                               <a:srgbClr val="FF0000"/>
                             </a:solidFill>
-                            <a:latin typeface="+mj-lt"/>
+                            <a:latin typeface="Cambria Math" panose="02040503050406030204" pitchFamily="18" charset="0"/>
                           </a:rPr>
                           <m:t>𝑝</m:t>
                         </m:r>
@@ -8366,7 +8382,7 @@
             </p:txBody>
           </p:sp>
         </mc:Choice>
-        <mc:Fallback>
+        <mc:Fallback xmlns="">
           <p:sp>
             <p:nvSpPr>
               <p:cNvPr id="3" name="コンテンツ プレースホルダー 2">
@@ -8464,8 +8480,8 @@
           </a:p>
         </p:txBody>
       </p:sp>
-      <mc:AlternateContent xmlns:mc="http://schemas.openxmlformats.org/markup-compatibility/2006">
-        <mc:Choice xmlns:a14="http://schemas.microsoft.com/office/drawing/2010/main" Requires="a14">
+      <mc:AlternateContent xmlns:mc="http://schemas.openxmlformats.org/markup-compatibility/2006" xmlns:a14="http://schemas.microsoft.com/office/drawing/2010/main">
+        <mc:Choice Requires="a14">
           <p:sp>
             <p:nvSpPr>
               <p:cNvPr id="3" name="コンテンツ プレースホルダー 2">
@@ -8534,7 +8550,7 @@
             </p:txBody>
           </p:sp>
         </mc:Choice>
-        <mc:Fallback>
+        <mc:Fallback xmlns="">
           <p:sp>
             <p:nvSpPr>
               <p:cNvPr id="3" name="コンテンツ プレースホルダー 2">
@@ -9103,8 +9119,8 @@
             </a:fontRef>
           </p:style>
         </p:cxnSp>
-        <mc:AlternateContent xmlns:mc="http://schemas.openxmlformats.org/markup-compatibility/2006">
-          <mc:Choice xmlns:a14="http://schemas.microsoft.com/office/drawing/2010/main" Requires="a14">
+        <mc:AlternateContent xmlns:mc="http://schemas.openxmlformats.org/markup-compatibility/2006" xmlns:a14="http://schemas.microsoft.com/office/drawing/2010/main">
+          <mc:Choice Requires="a14">
             <p:sp>
               <p:nvSpPr>
                 <p:cNvPr id="18" name="テキスト ボックス 17">
@@ -9133,6 +9149,7 @@
                 </a:bodyPr>
                 <a:lstStyle/>
                 <a:p>
+                  <a:pPr/>
                   <a14:m>
                     <m:oMathPara xmlns:m="http://schemas.openxmlformats.org/officeDocument/2006/math">
                       <m:oMathParaPr>
@@ -9153,7 +9170,7 @@
               </p:txBody>
             </p:sp>
           </mc:Choice>
-          <mc:Fallback>
+          <mc:Fallback xmlns="">
             <p:sp>
               <p:nvSpPr>
                 <p:cNvPr id="18" name="テキスト ボックス 17">
@@ -9198,8 +9215,8 @@
             </p:sp>
           </mc:Fallback>
         </mc:AlternateContent>
-        <mc:AlternateContent xmlns:mc="http://schemas.openxmlformats.org/markup-compatibility/2006">
-          <mc:Choice xmlns:a14="http://schemas.microsoft.com/office/drawing/2010/main" Requires="a14">
+        <mc:AlternateContent xmlns:mc="http://schemas.openxmlformats.org/markup-compatibility/2006" xmlns:a14="http://schemas.microsoft.com/office/drawing/2010/main">
+          <mc:Choice Requires="a14">
             <p:sp>
               <p:nvSpPr>
                 <p:cNvPr id="19" name="テキスト ボックス 18">
@@ -9228,6 +9245,7 @@
                 </a:bodyPr>
                 <a:lstStyle/>
                 <a:p>
+                  <a:pPr/>
                   <a14:m>
                     <m:oMathPara xmlns:m="http://schemas.openxmlformats.org/officeDocument/2006/math">
                       <m:oMathParaPr>
@@ -9267,7 +9285,7 @@
               </p:txBody>
             </p:sp>
           </mc:Choice>
-          <mc:Fallback>
+          <mc:Fallback xmlns="">
             <p:sp>
               <p:nvSpPr>
                 <p:cNvPr id="19" name="テキスト ボックス 18">
@@ -9312,8 +9330,8 @@
             </p:sp>
           </mc:Fallback>
         </mc:AlternateContent>
-        <mc:AlternateContent xmlns:mc="http://schemas.openxmlformats.org/markup-compatibility/2006">
-          <mc:Choice xmlns:a14="http://schemas.microsoft.com/office/drawing/2010/main" Requires="a14">
+        <mc:AlternateContent xmlns:mc="http://schemas.openxmlformats.org/markup-compatibility/2006" xmlns:a14="http://schemas.microsoft.com/office/drawing/2010/main">
+          <mc:Choice Requires="a14">
             <p:sp>
               <p:nvSpPr>
                 <p:cNvPr id="20" name="テキスト ボックス 19">
@@ -9342,6 +9360,7 @@
                 </a:bodyPr>
                 <a:lstStyle/>
                 <a:p>
+                  <a:pPr/>
                   <a14:m>
                     <m:oMathPara xmlns:m="http://schemas.openxmlformats.org/officeDocument/2006/math">
                       <m:oMathParaPr>
@@ -9381,7 +9400,7 @@
               </p:txBody>
             </p:sp>
           </mc:Choice>
-          <mc:Fallback>
+          <mc:Fallback xmlns="">
             <p:sp>
               <p:nvSpPr>
                 <p:cNvPr id="20" name="テキスト ボックス 19">
@@ -9426,8 +9445,8 @@
             </p:sp>
           </mc:Fallback>
         </mc:AlternateContent>
-        <mc:AlternateContent xmlns:mc="http://schemas.openxmlformats.org/markup-compatibility/2006">
-          <mc:Choice xmlns:a14="http://schemas.microsoft.com/office/drawing/2010/main" Requires="a14">
+        <mc:AlternateContent xmlns:mc="http://schemas.openxmlformats.org/markup-compatibility/2006" xmlns:a14="http://schemas.microsoft.com/office/drawing/2010/main">
+          <mc:Choice Requires="a14">
             <p:sp>
               <p:nvSpPr>
                 <p:cNvPr id="21" name="テキスト ボックス 20">
@@ -9456,6 +9475,7 @@
                 </a:bodyPr>
                 <a:lstStyle/>
                 <a:p>
+                  <a:pPr/>
                   <a14:m>
                     <m:oMathPara xmlns:m="http://schemas.openxmlformats.org/officeDocument/2006/math">
                       <m:oMathParaPr>
@@ -9495,7 +9515,7 @@
               </p:txBody>
             </p:sp>
           </mc:Choice>
-          <mc:Fallback>
+          <mc:Fallback xmlns="">
             <p:sp>
               <p:nvSpPr>
                 <p:cNvPr id="21" name="テキスト ボックス 20">
@@ -9540,8 +9560,8 @@
             </p:sp>
           </mc:Fallback>
         </mc:AlternateContent>
-        <mc:AlternateContent xmlns:mc="http://schemas.openxmlformats.org/markup-compatibility/2006">
-          <mc:Choice xmlns:a14="http://schemas.microsoft.com/office/drawing/2010/main" Requires="a14">
+        <mc:AlternateContent xmlns:mc="http://schemas.openxmlformats.org/markup-compatibility/2006" xmlns:a14="http://schemas.microsoft.com/office/drawing/2010/main">
+          <mc:Choice Requires="a14">
             <p:sp>
               <p:nvSpPr>
                 <p:cNvPr id="22" name="テキスト ボックス 21">
@@ -9570,6 +9590,7 @@
                 </a:bodyPr>
                 <a:lstStyle/>
                 <a:p>
+                  <a:pPr/>
                   <a14:m>
                     <m:oMathPara xmlns:m="http://schemas.openxmlformats.org/officeDocument/2006/math">
                       <m:oMathParaPr>
@@ -9609,7 +9630,7 @@
               </p:txBody>
             </p:sp>
           </mc:Choice>
-          <mc:Fallback>
+          <mc:Fallback xmlns="">
             <p:sp>
               <p:nvSpPr>
                 <p:cNvPr id="22" name="テキスト ボックス 21">
@@ -10371,52 +10392,134 @@
           <a:lstStyle/>
           <a:p>
             <a:r>
-              <a:rPr kumimoji="1" lang="ja-JP" altLang="en-US"/>
+              <a:rPr kumimoji="1" lang="ja-JP" altLang="en-US" dirty="0"/>
               <a:t>学習回数　</a:t>
             </a:r>
             <a:r>
-              <a:rPr kumimoji="1" lang="en-US" altLang="ja-JP"/>
+              <a:rPr kumimoji="1" lang="en-US" altLang="ja-JP" dirty="0"/>
               <a:t>0</a:t>
             </a:r>
             <a:r>
-              <a:rPr kumimoji="1" lang="ja-JP" altLang="en-US"/>
+              <a:rPr kumimoji="1" lang="ja-JP" altLang="en-US" dirty="0"/>
               <a:t>→</a:t>
             </a:r>
             <a:r>
-              <a:rPr kumimoji="1" lang="en-US" altLang="ja-JP"/>
+              <a:rPr kumimoji="1" lang="en-US" altLang="ja-JP" dirty="0"/>
               <a:t>100</a:t>
             </a:r>
             <a:r>
-              <a:rPr kumimoji="1" lang="ja-JP" altLang="en-US"/>
+              <a:rPr kumimoji="1" lang="ja-JP" altLang="en-US" dirty="0"/>
               <a:t>→</a:t>
             </a:r>
             <a:r>
-              <a:rPr kumimoji="1" lang="en-US" altLang="ja-JP"/>
+              <a:rPr kumimoji="1" lang="en-US" altLang="ja-JP" dirty="0"/>
               <a:t>30000</a:t>
             </a:r>
             <a:r>
-              <a:rPr kumimoji="1" lang="ja-JP" altLang="en-US"/>
-              <a:t>回の順で表示しよう</a:t>
-            </a:r>
-            <a:endParaRPr kumimoji="1" lang="en-US" altLang="ja-JP"/>
-          </a:p>
-          <a:p>
-            <a:r>
-              <a:rPr lang="ja-JP" altLang="en-US"/>
+              <a:rPr kumimoji="1" lang="ja-JP" altLang="en-US" dirty="0"/>
+              <a:t>回の順で表示</a:t>
+            </a:r>
+            <a:r>
+              <a:rPr kumimoji="1" lang="ja-JP" altLang="en-US" dirty="0" smtClean="0"/>
+              <a:t>しよう</a:t>
+            </a:r>
+            <a:endParaRPr kumimoji="1" lang="en-US" altLang="ja-JP" dirty="0" smtClean="0"/>
+          </a:p>
+          <a:p>
+            <a:r>
+              <a:rPr lang="ja-JP" altLang="en-US" dirty="0" smtClean="0"/>
+              <a:t>固定</a:t>
+            </a:r>
+            <a:r>
+              <a:rPr lang="en-US" altLang="ja-JP" dirty="0" smtClean="0"/>
+              <a:t>	</a:t>
+            </a:r>
+            <a:r>
+              <a:rPr lang="ja-JP" altLang="en-US" dirty="0" smtClean="0"/>
+              <a:t>ランダム</a:t>
+            </a:r>
+            <a:endParaRPr lang="en-US" altLang="ja-JP" dirty="0" smtClean="0"/>
+          </a:p>
+          <a:p>
+            <a:r>
+              <a:rPr lang="ja-JP" altLang="en-US" dirty="0" smtClean="0"/>
+              <a:t>０</a:t>
+            </a:r>
+            <a:r>
+              <a:rPr lang="en-US" altLang="ja-JP" dirty="0" smtClean="0"/>
+              <a:t>	</a:t>
+            </a:r>
+            <a:r>
+              <a:rPr lang="ja-JP" altLang="en-US" dirty="0" smtClean="0"/>
+              <a:t>：　</a:t>
+            </a:r>
+            <a:r>
+              <a:rPr lang="en-US" altLang="ja-JP" dirty="0" smtClean="0"/>
+              <a:t>0.648114	</a:t>
+            </a:r>
+            <a:r>
+              <a:rPr lang="ja-JP" altLang="en-US" dirty="0" smtClean="0"/>
+              <a:t>：</a:t>
+            </a:r>
+            <a:r>
+              <a:rPr lang="en-US" altLang="ja-JP" dirty="0" smtClean="0"/>
+              <a:t>0.649743</a:t>
+            </a:r>
+          </a:p>
+          <a:p>
+            <a:r>
+              <a:rPr kumimoji="1" lang="ja-JP" altLang="en-US" dirty="0" smtClean="0"/>
+              <a:t>１００　：　</a:t>
+            </a:r>
+            <a:r>
+              <a:rPr kumimoji="1" lang="en-US" altLang="ja-JP" dirty="0" smtClean="0"/>
+              <a:t>0.055948	</a:t>
+            </a:r>
+            <a:r>
+              <a:rPr kumimoji="1" lang="ja-JP" altLang="en-US" dirty="0" smtClean="0"/>
+              <a:t>：</a:t>
+            </a:r>
+            <a:r>
+              <a:rPr kumimoji="1" lang="en-US" altLang="ja-JP" dirty="0" smtClean="0"/>
+              <a:t>0.049490</a:t>
+            </a:r>
+          </a:p>
+          <a:p>
+            <a:r>
+              <a:rPr lang="ja-JP" altLang="en-US" dirty="0" smtClean="0"/>
+              <a:t>３００００　：　</a:t>
+            </a:r>
+            <a:r>
+              <a:rPr lang="en-US" altLang="ja-JP" dirty="0" smtClean="0"/>
+              <a:t>0.030734	</a:t>
+            </a:r>
+            <a:r>
+              <a:rPr lang="ja-JP" altLang="en-US" dirty="0" smtClean="0"/>
+              <a:t>：</a:t>
+            </a:r>
+            <a:r>
+              <a:rPr lang="en-US" altLang="ja-JP" dirty="0" smtClean="0"/>
+              <a:t>8.94217-e29</a:t>
+            </a:r>
+            <a:endParaRPr kumimoji="1" lang="en-US" altLang="ja-JP" dirty="0"/>
+          </a:p>
+          <a:p>
+            <a:r>
+              <a:rPr lang="ja-JP" altLang="en-US" dirty="0"/>
               <a:t>固定もランダムのどちらも</a:t>
             </a:r>
-            <a:endParaRPr lang="en-US" altLang="ja-JP"/>
-          </a:p>
-          <a:p>
-            <a:r>
-              <a:rPr kumimoji="1" lang="ja-JP" altLang="en-US"/>
+            <a:endParaRPr lang="en-US" altLang="ja-JP" dirty="0"/>
+          </a:p>
+          <a:p>
+            <a:r>
+              <a:rPr kumimoji="1" lang="ja-JP" altLang="en-US" dirty="0"/>
               <a:t>ランダムについては、正解データとの照合も表示</a:t>
             </a:r>
-            <a:endParaRPr kumimoji="1" lang="en-US" altLang="ja-JP"/>
-          </a:p>
-          <a:p>
-            <a:r>
-              <a:rPr kumimoji="1" lang="ja-JP" altLang="en-US"/>
+            <a:endParaRPr kumimoji="1" lang="en-US" altLang="ja-JP" dirty="0"/>
+          </a:p>
+          <a:p>
+            <a:r>
+              <a:rPr kumimoji="1" lang="ja-JP" altLang="en-US" dirty="0"/>
               <a:t>評価関数の値も忘れずに</a:t>
             </a:r>
           </a:p>
@@ -10454,6 +10557,253 @@
       </p:grpSpPr>
       <p:sp>
         <p:nvSpPr>
+          <p:cNvPr id="2" name="タイトル 1">
+            <a:extLst>
+              <a:ext uri="{FF2B5EF4-FFF2-40B4-BE49-F238E27FC236}">
+                <a16:creationId xmlns:a16="http://schemas.microsoft.com/office/drawing/2014/main" id="{674C8138-229C-5045-9F87-E45C5363BF2D}"/>
+              </a:ext>
+            </a:extLst>
+          </p:cNvPr>
+          <p:cNvSpPr>
+            <a:spLocks noGrp="1"/>
+          </p:cNvSpPr>
+          <p:nvPr>
+            <p:ph type="title"/>
+          </p:nvPr>
+        </p:nvSpPr>
+        <p:spPr/>
+        <p:txBody>
+          <a:bodyPr/>
+          <a:lstStyle/>
+          <a:p>
+            <a:r>
+              <a:rPr kumimoji="1" lang="ja-JP" altLang="en-US" dirty="0" smtClean="0"/>
+              <a:t>課題</a:t>
+            </a:r>
+            <a:r>
+              <a:rPr lang="en-US" altLang="ja-JP" dirty="0">
+                <a:latin typeface="+mn-lt"/>
+              </a:rPr>
+              <a:t>2</a:t>
+            </a:r>
+            <a:r>
+              <a:rPr kumimoji="1" lang="ja-JP" altLang="en-US" dirty="0" smtClean="0"/>
+              <a:t>で</a:t>
+            </a:r>
+            <a:r>
+              <a:rPr kumimoji="1" lang="ja-JP" altLang="en-US" dirty="0"/>
+              <a:t>得られた関数の可視化</a:t>
+            </a:r>
+          </a:p>
+        </p:txBody>
+      </p:sp>
+      <p:sp>
+        <p:nvSpPr>
+          <p:cNvPr id="3" name="コンテンツ プレースホルダー 2">
+            <a:extLst>
+              <a:ext uri="{FF2B5EF4-FFF2-40B4-BE49-F238E27FC236}">
+                <a16:creationId xmlns:a16="http://schemas.microsoft.com/office/drawing/2014/main" id="{A033062E-7071-3C4B-845F-530F47DB7D2E}"/>
+              </a:ext>
+            </a:extLst>
+          </p:cNvPr>
+          <p:cNvSpPr>
+            <a:spLocks noGrp="1"/>
+          </p:cNvSpPr>
+          <p:nvPr>
+            <p:ph idx="1"/>
+          </p:nvPr>
+        </p:nvSpPr>
+        <p:spPr/>
+        <p:txBody>
+          <a:bodyPr/>
+          <a:lstStyle/>
+          <a:p>
+            <a:r>
+              <a:rPr kumimoji="1" lang="ja-JP" altLang="en-US" dirty="0"/>
+              <a:t>学習回数　</a:t>
+            </a:r>
+            <a:r>
+              <a:rPr kumimoji="1" lang="en-US" altLang="ja-JP" dirty="0"/>
+              <a:t>0</a:t>
+            </a:r>
+            <a:r>
+              <a:rPr kumimoji="1" lang="ja-JP" altLang="en-US" dirty="0"/>
+              <a:t>→</a:t>
+            </a:r>
+            <a:r>
+              <a:rPr kumimoji="1" lang="en-US" altLang="ja-JP" dirty="0"/>
+              <a:t>100</a:t>
+            </a:r>
+            <a:r>
+              <a:rPr kumimoji="1" lang="ja-JP" altLang="en-US" dirty="0"/>
+              <a:t>→</a:t>
+            </a:r>
+            <a:r>
+              <a:rPr kumimoji="1" lang="en-US" altLang="ja-JP" dirty="0"/>
+              <a:t>30000</a:t>
+            </a:r>
+            <a:r>
+              <a:rPr kumimoji="1" lang="ja-JP" altLang="en-US" dirty="0"/>
+              <a:t>回の順で表示</a:t>
+            </a:r>
+            <a:r>
+              <a:rPr kumimoji="1" lang="ja-JP" altLang="en-US" dirty="0" smtClean="0"/>
+              <a:t>しよう</a:t>
+            </a:r>
+            <a:endParaRPr kumimoji="1" lang="en-US" altLang="ja-JP" dirty="0" smtClean="0"/>
+          </a:p>
+          <a:p>
+            <a:r>
+              <a:rPr lang="ja-JP" altLang="en-US" dirty="0" smtClean="0"/>
+              <a:t>固定</a:t>
+            </a:r>
+            <a:r>
+              <a:rPr lang="en-US" altLang="ja-JP" dirty="0" smtClean="0"/>
+              <a:t>	</a:t>
+            </a:r>
+            <a:r>
+              <a:rPr lang="ja-JP" altLang="en-US" dirty="0" smtClean="0"/>
+              <a:t>ランダム</a:t>
+            </a:r>
+            <a:endParaRPr lang="en-US" altLang="ja-JP" dirty="0" smtClean="0"/>
+          </a:p>
+          <a:p>
+            <a:r>
+              <a:rPr lang="ja-JP" altLang="en-US" dirty="0" smtClean="0"/>
+              <a:t>０</a:t>
+            </a:r>
+            <a:r>
+              <a:rPr lang="en-US" altLang="ja-JP" dirty="0" smtClean="0"/>
+              <a:t>	</a:t>
+            </a:r>
+            <a:r>
+              <a:rPr lang="ja-JP" altLang="en-US" dirty="0" smtClean="0"/>
+              <a:t>：　</a:t>
+            </a:r>
+            <a:r>
+              <a:rPr lang="en-US" altLang="ja-JP" dirty="0" smtClean="0"/>
+              <a:t>15.9852	</a:t>
+            </a:r>
+            <a:r>
+              <a:rPr lang="ja-JP" altLang="en-US" dirty="0" smtClean="0"/>
+              <a:t>： </a:t>
+            </a:r>
+            <a:r>
+              <a:rPr lang="en-US" altLang="ja-JP" dirty="0" smtClean="0"/>
+              <a:t>13.7930</a:t>
+            </a:r>
+          </a:p>
+          <a:p>
+            <a:r>
+              <a:rPr lang="en-US" altLang="ja-JP" dirty="0"/>
+              <a:t>5</a:t>
+            </a:r>
+            <a:r>
+              <a:rPr kumimoji="1" lang="ja-JP" altLang="en-US" dirty="0" smtClean="0"/>
+              <a:t>００　：　</a:t>
+            </a:r>
+            <a:r>
+              <a:rPr lang="en-US" altLang="ja-JP" dirty="0" smtClean="0"/>
+              <a:t>3.72862</a:t>
+            </a:r>
+            <a:r>
+              <a:rPr kumimoji="1" lang="en-US" altLang="ja-JP" dirty="0" smtClean="0"/>
+              <a:t>	</a:t>
+            </a:r>
+            <a:r>
+              <a:rPr kumimoji="1" lang="ja-JP" altLang="en-US" dirty="0" smtClean="0"/>
+              <a:t>： </a:t>
+            </a:r>
+            <a:r>
+              <a:rPr lang="en-US" altLang="ja-JP" dirty="0" smtClean="0"/>
+              <a:t>0.677599</a:t>
+            </a:r>
+            <a:endParaRPr kumimoji="1" lang="en-US" altLang="ja-JP" dirty="0" smtClean="0"/>
+          </a:p>
+          <a:p>
+            <a:r>
+              <a:rPr lang="ja-JP" altLang="en-US" dirty="0" smtClean="0"/>
+              <a:t>３０００　： </a:t>
+            </a:r>
+            <a:r>
+              <a:rPr lang="en-US" altLang="ja-JP" dirty="0" smtClean="0"/>
+              <a:t>3.67975</a:t>
+            </a:r>
+            <a:r>
+              <a:rPr lang="ja-JP" altLang="en-US" dirty="0" smtClean="0"/>
+              <a:t>　</a:t>
+            </a:r>
+            <a:r>
+              <a:rPr lang="en-US" altLang="ja-JP" dirty="0" smtClean="0"/>
+              <a:t>	</a:t>
+            </a:r>
+            <a:r>
+              <a:rPr lang="ja-JP" altLang="en-US" dirty="0" smtClean="0"/>
+              <a:t>： </a:t>
+            </a:r>
+            <a:r>
+              <a:rPr lang="en-US" altLang="ja-JP" dirty="0" smtClean="0"/>
+              <a:t>4.68725e-3</a:t>
+            </a:r>
+          </a:p>
+          <a:p>
+            <a:r>
+              <a:rPr lang="ja-JP" altLang="en-US" dirty="0" smtClean="0"/>
+              <a:t>固定</a:t>
+            </a:r>
+            <a:r>
+              <a:rPr lang="ja-JP" altLang="en-US" dirty="0"/>
+              <a:t>もランダムのどちらも</a:t>
+            </a:r>
+            <a:endParaRPr lang="en-US" altLang="ja-JP" dirty="0"/>
+          </a:p>
+          <a:p>
+            <a:r>
+              <a:rPr kumimoji="1" lang="ja-JP" altLang="en-US" dirty="0"/>
+              <a:t>ランダムについては、正解データとの照合も表示</a:t>
+            </a:r>
+            <a:endParaRPr kumimoji="1" lang="en-US" altLang="ja-JP" dirty="0"/>
+          </a:p>
+          <a:p>
+            <a:r>
+              <a:rPr kumimoji="1" lang="ja-JP" altLang="en-US" dirty="0"/>
+              <a:t>評価関数の値も忘れずに</a:t>
+            </a:r>
+          </a:p>
+        </p:txBody>
+      </p:sp>
+    </p:spTree>
+    <p:extLst>
+      <p:ext uri="{BB962C8B-B14F-4D97-AF65-F5344CB8AC3E}">
+        <p14:creationId xmlns:p14="http://schemas.microsoft.com/office/powerpoint/2010/main" val="2978892651"/>
+      </p:ext>
+    </p:extLst>
+  </p:cSld>
+  <p:clrMapOvr>
+    <a:masterClrMapping/>
+  </p:clrMapOvr>
+</p:sld>
+</file>
+
+<file path=ppt/slides/slide17.xml><?xml version="1.0" encoding="utf-8"?>
+<p:sld xmlns:a="http://schemas.openxmlformats.org/drawingml/2006/main" xmlns:r="http://schemas.openxmlformats.org/officeDocument/2006/relationships" xmlns:p="http://schemas.openxmlformats.org/presentationml/2006/main">
+  <p:cSld>
+    <p:spTree>
+      <p:nvGrpSpPr>
+        <p:cNvPr id="1" name=""/>
+        <p:cNvGrpSpPr/>
+        <p:nvPr/>
+      </p:nvGrpSpPr>
+      <p:grpSpPr>
+        <a:xfrm>
+          <a:off x="0" y="0"/>
+          <a:ext cx="0" cy="0"/>
+          <a:chOff x="0" y="0"/>
+          <a:chExt cx="0" cy="0"/>
+        </a:xfrm>
+      </p:grpSpPr>
+      <p:sp>
+        <p:nvSpPr>
           <p:cNvPr id="2" name="タイトル 1"/>
           <p:cNvSpPr>
             <a:spLocks noGrp="1"/>
@@ -10708,7 +11058,7 @@
 </p:sld>
 </file>
 
-<file path=ppt/slides/slide17.xml><?xml version="1.0" encoding="utf-8"?>
+<file path=ppt/slides/slide18.xml><?xml version="1.0" encoding="utf-8"?>
 <p:sld xmlns:a="http://schemas.openxmlformats.org/drawingml/2006/main" xmlns:r="http://schemas.openxmlformats.org/officeDocument/2006/relationships" xmlns:p="http://schemas.openxmlformats.org/presentationml/2006/main">
   <p:cSld>
     <p:spTree>
@@ -10801,7 +11151,7 @@
 </p:sld>
 </file>
 
-<file path=ppt/slides/slide18.xml><?xml version="1.0" encoding="utf-8"?>
+<file path=ppt/slides/slide19.xml><?xml version="1.0" encoding="utf-8"?>
 <p:sld xmlns:a="http://schemas.openxmlformats.org/drawingml/2006/main" xmlns:r="http://schemas.openxmlformats.org/officeDocument/2006/relationships" xmlns:p="http://schemas.openxmlformats.org/presentationml/2006/main">
   <p:cSld>
     <p:spTree>
@@ -10875,99 +11225,6 @@
     <p:extLst>
       <p:ext uri="{BB962C8B-B14F-4D97-AF65-F5344CB8AC3E}">
         <p14:creationId xmlns:p14="http://schemas.microsoft.com/office/powerpoint/2010/main" val="1638369676"/>
-      </p:ext>
-    </p:extLst>
-  </p:cSld>
-  <p:clrMapOvr>
-    <a:masterClrMapping/>
-  </p:clrMapOvr>
-</p:sld>
-</file>
-
-<file path=ppt/slides/slide19.xml><?xml version="1.0" encoding="utf-8"?>
-<p:sld xmlns:a="http://schemas.openxmlformats.org/drawingml/2006/main" xmlns:r="http://schemas.openxmlformats.org/officeDocument/2006/relationships" xmlns:p="http://schemas.openxmlformats.org/presentationml/2006/main">
-  <p:cSld>
-    <p:spTree>
-      <p:nvGrpSpPr>
-        <p:cNvPr id="1" name=""/>
-        <p:cNvGrpSpPr/>
-        <p:nvPr/>
-      </p:nvGrpSpPr>
-      <p:grpSpPr>
-        <a:xfrm>
-          <a:off x="0" y="0"/>
-          <a:ext cx="0" cy="0"/>
-          <a:chOff x="0" y="0"/>
-          <a:chExt cx="0" cy="0"/>
-        </a:xfrm>
-      </p:grpSpPr>
-      <p:sp>
-        <p:nvSpPr>
-          <p:cNvPr id="2" name="タイトル 1">
-            <a:extLst>
-              <a:ext uri="{FF2B5EF4-FFF2-40B4-BE49-F238E27FC236}">
-                <a16:creationId xmlns:a16="http://schemas.microsoft.com/office/drawing/2014/main" id="{C8AA417A-68E8-5A48-8E5E-2E782DB5077F}"/>
-              </a:ext>
-            </a:extLst>
-          </p:cNvPr>
-          <p:cNvSpPr>
-            <a:spLocks noGrp="1"/>
-          </p:cNvSpPr>
-          <p:nvPr>
-            <p:ph type="title"/>
-          </p:nvPr>
-        </p:nvSpPr>
-        <p:spPr/>
-        <p:txBody>
-          <a:bodyPr/>
-          <a:lstStyle/>
-          <a:p>
-            <a:r>
-              <a:rPr kumimoji="1" lang="ja-JP" altLang="en-US"/>
-              <a:t>（予備用）どうしてランダム？</a:t>
-            </a:r>
-          </a:p>
-        </p:txBody>
-      </p:sp>
-      <p:sp>
-        <p:nvSpPr>
-          <p:cNvPr id="3" name="コンテンツ プレースホルダー 2">
-            <a:extLst>
-              <a:ext uri="{FF2B5EF4-FFF2-40B4-BE49-F238E27FC236}">
-                <a16:creationId xmlns:a16="http://schemas.microsoft.com/office/drawing/2014/main" id="{0D021A45-50C6-624D-955C-2B14F2781A7C}"/>
-              </a:ext>
-            </a:extLst>
-          </p:cNvPr>
-          <p:cNvSpPr>
-            <a:spLocks noGrp="1"/>
-          </p:cNvSpPr>
-          <p:nvPr>
-            <p:ph idx="1"/>
-          </p:nvPr>
-        </p:nvSpPr>
-        <p:spPr/>
-        <p:txBody>
-          <a:bodyPr/>
-          <a:lstStyle/>
-          <a:p>
-            <a:r>
-              <a:rPr kumimoji="1" lang="ja-JP" altLang="en-US"/>
-              <a:t>局所解に収束させないため</a:t>
-            </a:r>
-            <a:endParaRPr kumimoji="1" lang="en-US" altLang="ja-JP"/>
-          </a:p>
-          <a:p>
-            <a:r>
-              <a:rPr kumimoji="1" lang="ja-JP" altLang="en-US"/>
-              <a:t>局所解におちいる図例</a:t>
-            </a:r>
-          </a:p>
-        </p:txBody>
-      </p:sp>
-    </p:spTree>
-    <p:extLst>
-      <p:ext uri="{BB962C8B-B14F-4D97-AF65-F5344CB8AC3E}">
-        <p14:creationId xmlns:p14="http://schemas.microsoft.com/office/powerpoint/2010/main" val="2758984496"/>
       </p:ext>
     </p:extLst>
   </p:cSld>
@@ -11102,6 +11359,99 @@
           <p:cNvPr id="2" name="タイトル 1">
             <a:extLst>
               <a:ext uri="{FF2B5EF4-FFF2-40B4-BE49-F238E27FC236}">
+                <a16:creationId xmlns:a16="http://schemas.microsoft.com/office/drawing/2014/main" id="{C8AA417A-68E8-5A48-8E5E-2E782DB5077F}"/>
+              </a:ext>
+            </a:extLst>
+          </p:cNvPr>
+          <p:cNvSpPr>
+            <a:spLocks noGrp="1"/>
+          </p:cNvSpPr>
+          <p:nvPr>
+            <p:ph type="title"/>
+          </p:nvPr>
+        </p:nvSpPr>
+        <p:spPr/>
+        <p:txBody>
+          <a:bodyPr/>
+          <a:lstStyle/>
+          <a:p>
+            <a:r>
+              <a:rPr kumimoji="1" lang="ja-JP" altLang="en-US"/>
+              <a:t>（予備用）どうしてランダム？</a:t>
+            </a:r>
+          </a:p>
+        </p:txBody>
+      </p:sp>
+      <p:sp>
+        <p:nvSpPr>
+          <p:cNvPr id="3" name="コンテンツ プレースホルダー 2">
+            <a:extLst>
+              <a:ext uri="{FF2B5EF4-FFF2-40B4-BE49-F238E27FC236}">
+                <a16:creationId xmlns:a16="http://schemas.microsoft.com/office/drawing/2014/main" id="{0D021A45-50C6-624D-955C-2B14F2781A7C}"/>
+              </a:ext>
+            </a:extLst>
+          </p:cNvPr>
+          <p:cNvSpPr>
+            <a:spLocks noGrp="1"/>
+          </p:cNvSpPr>
+          <p:nvPr>
+            <p:ph idx="1"/>
+          </p:nvPr>
+        </p:nvSpPr>
+        <p:spPr/>
+        <p:txBody>
+          <a:bodyPr/>
+          <a:lstStyle/>
+          <a:p>
+            <a:r>
+              <a:rPr kumimoji="1" lang="ja-JP" altLang="en-US"/>
+              <a:t>局所解に収束させないため</a:t>
+            </a:r>
+            <a:endParaRPr kumimoji="1" lang="en-US" altLang="ja-JP"/>
+          </a:p>
+          <a:p>
+            <a:r>
+              <a:rPr kumimoji="1" lang="ja-JP" altLang="en-US"/>
+              <a:t>局所解におちいる図例</a:t>
+            </a:r>
+          </a:p>
+        </p:txBody>
+      </p:sp>
+    </p:spTree>
+    <p:extLst>
+      <p:ext uri="{BB962C8B-B14F-4D97-AF65-F5344CB8AC3E}">
+        <p14:creationId xmlns:p14="http://schemas.microsoft.com/office/powerpoint/2010/main" val="2758984496"/>
+      </p:ext>
+    </p:extLst>
+  </p:cSld>
+  <p:clrMapOvr>
+    <a:masterClrMapping/>
+  </p:clrMapOvr>
+</p:sld>
+</file>
+
+<file path=ppt/slides/slide21.xml><?xml version="1.0" encoding="utf-8"?>
+<p:sld xmlns:a="http://schemas.openxmlformats.org/drawingml/2006/main" xmlns:r="http://schemas.openxmlformats.org/officeDocument/2006/relationships" xmlns:p="http://schemas.openxmlformats.org/presentationml/2006/main">
+  <p:cSld>
+    <p:spTree>
+      <p:nvGrpSpPr>
+        <p:cNvPr id="1" name=""/>
+        <p:cNvGrpSpPr/>
+        <p:nvPr/>
+      </p:nvGrpSpPr>
+      <p:grpSpPr>
+        <a:xfrm>
+          <a:off x="0" y="0"/>
+          <a:ext cx="0" cy="0"/>
+          <a:chOff x="0" y="0"/>
+          <a:chExt cx="0" cy="0"/>
+        </a:xfrm>
+      </p:grpSpPr>
+      <p:sp>
+        <p:nvSpPr>
+          <p:cNvPr id="2" name="タイトル 1">
+            <a:extLst>
+              <a:ext uri="{FF2B5EF4-FFF2-40B4-BE49-F238E27FC236}">
                 <a16:creationId xmlns:a16="http://schemas.microsoft.com/office/drawing/2014/main" id="{2CDF4983-2502-9D4C-932F-EFB2CF61D335}"/>
               </a:ext>
             </a:extLst>
@@ -11164,7 +11514,7 @@
 </p:sld>
 </file>
 
-<file path=ppt/slides/slide21.xml><?xml version="1.0" encoding="utf-8"?>
+<file path=ppt/slides/slide22.xml><?xml version="1.0" encoding="utf-8"?>
 <p:sld xmlns:a="http://schemas.openxmlformats.org/drawingml/2006/main" xmlns:r="http://schemas.openxmlformats.org/officeDocument/2006/relationships" xmlns:p="http://schemas.openxmlformats.org/presentationml/2006/main">
   <p:cSld>
     <p:spTree>
@@ -11194,7 +11544,7 @@
 </p:sld>
 </file>
 
-<file path=ppt/slides/slide22.xml><?xml version="1.0" encoding="utf-8"?>
+<file path=ppt/slides/slide23.xml><?xml version="1.0" encoding="utf-8"?>
 <p:sld xmlns:a="http://schemas.openxmlformats.org/drawingml/2006/main" xmlns:r="http://schemas.openxmlformats.org/officeDocument/2006/relationships" xmlns:p="http://schemas.openxmlformats.org/presentationml/2006/main">
   <p:cSld>
     <p:spTree>
@@ -11740,8 +12090,8 @@
             </a:fontRef>
           </p:style>
         </p:cxnSp>
-        <mc:AlternateContent xmlns:mc="http://schemas.openxmlformats.org/markup-compatibility/2006">
-          <mc:Choice xmlns:a14="http://schemas.microsoft.com/office/drawing/2010/main" Requires="a14">
+        <mc:AlternateContent xmlns:mc="http://schemas.openxmlformats.org/markup-compatibility/2006" xmlns:a14="http://schemas.microsoft.com/office/drawing/2010/main">
+          <mc:Choice Requires="a14">
             <p:sp>
               <p:nvSpPr>
                 <p:cNvPr id="38" name="テキスト ボックス 37">
@@ -11770,6 +12120,7 @@
                 </a:bodyPr>
                 <a:lstStyle/>
                 <a:p>
+                  <a:pPr/>
                   <a14:m>
                     <m:oMathPara xmlns:m="http://schemas.openxmlformats.org/officeDocument/2006/math">
                       <m:oMathParaPr>
@@ -11790,7 +12141,7 @@
               </p:txBody>
             </p:sp>
           </mc:Choice>
-          <mc:Fallback>
+          <mc:Fallback xmlns="">
             <p:sp>
               <p:nvSpPr>
                 <p:cNvPr id="38" name="テキスト ボックス 37">
@@ -11835,8 +12186,8 @@
             </p:sp>
           </mc:Fallback>
         </mc:AlternateContent>
-        <mc:AlternateContent xmlns:mc="http://schemas.openxmlformats.org/markup-compatibility/2006">
-          <mc:Choice xmlns:a14="http://schemas.microsoft.com/office/drawing/2010/main" Requires="a14">
+        <mc:AlternateContent xmlns:mc="http://schemas.openxmlformats.org/markup-compatibility/2006" xmlns:a14="http://schemas.microsoft.com/office/drawing/2010/main">
+          <mc:Choice Requires="a14">
             <p:sp>
               <p:nvSpPr>
                 <p:cNvPr id="39" name="テキスト ボックス 38">
@@ -11865,6 +12216,7 @@
                 </a:bodyPr>
                 <a:lstStyle/>
                 <a:p>
+                  <a:pPr/>
                   <a14:m>
                     <m:oMathPara xmlns:m="http://schemas.openxmlformats.org/officeDocument/2006/math">
                       <m:oMathParaPr>
@@ -11904,7 +12256,7 @@
               </p:txBody>
             </p:sp>
           </mc:Choice>
-          <mc:Fallback>
+          <mc:Fallback xmlns="">
             <p:sp>
               <p:nvSpPr>
                 <p:cNvPr id="39" name="テキスト ボックス 38">
@@ -11949,8 +12301,8 @@
             </p:sp>
           </mc:Fallback>
         </mc:AlternateContent>
-        <mc:AlternateContent xmlns:mc="http://schemas.openxmlformats.org/markup-compatibility/2006">
-          <mc:Choice xmlns:a14="http://schemas.microsoft.com/office/drawing/2010/main" Requires="a14">
+        <mc:AlternateContent xmlns:mc="http://schemas.openxmlformats.org/markup-compatibility/2006" xmlns:a14="http://schemas.microsoft.com/office/drawing/2010/main">
+          <mc:Choice Requires="a14">
             <p:sp>
               <p:nvSpPr>
                 <p:cNvPr id="40" name="テキスト ボックス 39">
@@ -11979,6 +12331,7 @@
                 </a:bodyPr>
                 <a:lstStyle/>
                 <a:p>
+                  <a:pPr/>
                   <a14:m>
                     <m:oMathPara xmlns:m="http://schemas.openxmlformats.org/officeDocument/2006/math">
                       <m:oMathParaPr>
@@ -12018,7 +12371,7 @@
               </p:txBody>
             </p:sp>
           </mc:Choice>
-          <mc:Fallback>
+          <mc:Fallback xmlns="">
             <p:sp>
               <p:nvSpPr>
                 <p:cNvPr id="40" name="テキスト ボックス 39">
@@ -12063,8 +12416,8 @@
             </p:sp>
           </mc:Fallback>
         </mc:AlternateContent>
-        <mc:AlternateContent xmlns:mc="http://schemas.openxmlformats.org/markup-compatibility/2006">
-          <mc:Choice xmlns:a14="http://schemas.microsoft.com/office/drawing/2010/main" Requires="a14">
+        <mc:AlternateContent xmlns:mc="http://schemas.openxmlformats.org/markup-compatibility/2006" xmlns:a14="http://schemas.microsoft.com/office/drawing/2010/main">
+          <mc:Choice Requires="a14">
             <p:sp>
               <p:nvSpPr>
                 <p:cNvPr id="41" name="テキスト ボックス 40">
@@ -12093,6 +12446,7 @@
                 </a:bodyPr>
                 <a:lstStyle/>
                 <a:p>
+                  <a:pPr/>
                   <a14:m>
                     <m:oMathPara xmlns:m="http://schemas.openxmlformats.org/officeDocument/2006/math">
                       <m:oMathParaPr>
@@ -12132,7 +12486,7 @@
               </p:txBody>
             </p:sp>
           </mc:Choice>
-          <mc:Fallback>
+          <mc:Fallback xmlns="">
             <p:sp>
               <p:nvSpPr>
                 <p:cNvPr id="41" name="テキスト ボックス 40">
@@ -12177,8 +12531,8 @@
             </p:sp>
           </mc:Fallback>
         </mc:AlternateContent>
-        <mc:AlternateContent xmlns:mc="http://schemas.openxmlformats.org/markup-compatibility/2006">
-          <mc:Choice xmlns:a14="http://schemas.microsoft.com/office/drawing/2010/main" Requires="a14">
+        <mc:AlternateContent xmlns:mc="http://schemas.openxmlformats.org/markup-compatibility/2006" xmlns:a14="http://schemas.microsoft.com/office/drawing/2010/main">
+          <mc:Choice Requires="a14">
             <p:sp>
               <p:nvSpPr>
                 <p:cNvPr id="42" name="テキスト ボックス 41">
@@ -12207,6 +12561,7 @@
                 </a:bodyPr>
                 <a:lstStyle/>
                 <a:p>
+                  <a:pPr/>
                   <a14:m>
                     <m:oMathPara xmlns:m="http://schemas.openxmlformats.org/officeDocument/2006/math">
                       <m:oMathParaPr>
@@ -12246,7 +12601,7 @@
               </p:txBody>
             </p:sp>
           </mc:Choice>
-          <mc:Fallback>
+          <mc:Fallback xmlns="">
             <p:sp>
               <p:nvSpPr>
                 <p:cNvPr id="42" name="テキスト ボックス 41">
@@ -12593,7 +12948,7 @@
 </p:sld>
 </file>
 
-<file path=ppt/slides/slide23.xml><?xml version="1.0" encoding="utf-8"?>
+<file path=ppt/slides/slide24.xml><?xml version="1.0" encoding="utf-8"?>
 <p:sld xmlns:a="http://schemas.openxmlformats.org/drawingml/2006/main" xmlns:r="http://schemas.openxmlformats.org/officeDocument/2006/relationships" xmlns:p="http://schemas.openxmlformats.org/presentationml/2006/main">
   <p:cSld>
     <p:spTree>
@@ -12675,8 +13030,8 @@
             </a:prstGeom>
           </p:spPr>
         </p:pic>
-        <mc:AlternateContent xmlns:mc="http://schemas.openxmlformats.org/markup-compatibility/2006">
-          <mc:Choice xmlns:a14="http://schemas.microsoft.com/office/drawing/2010/main" Requires="a14">
+        <mc:AlternateContent xmlns:mc="http://schemas.openxmlformats.org/markup-compatibility/2006" xmlns:a14="http://schemas.microsoft.com/office/drawing/2010/main">
+          <mc:Choice Requires="a14">
             <p:sp>
               <p:nvSpPr>
                 <p:cNvPr id="4" name="正方形/長方形 3">
@@ -12704,6 +13059,7 @@
                 </a:bodyPr>
                 <a:lstStyle/>
                 <a:p>
+                  <a:pPr/>
                   <a14:m>
                     <m:oMathPara xmlns:m="http://schemas.openxmlformats.org/officeDocument/2006/math">
                       <m:oMathParaPr>
@@ -12714,14 +13070,14 @@
                           <m:sSubPr>
                             <m:ctrlPr>
                               <a:rPr lang="en-US" altLang="ja-JP" sz="3200" i="1">
-                                <a:latin typeface="+mj-lt"/>
+                                <a:latin typeface="Cambria Math" panose="02040503050406030204" pitchFamily="18" charset="0"/>
                               </a:rPr>
                             </m:ctrlPr>
                           </m:sSubPr>
                           <m:e>
                             <m:r>
                               <a:rPr lang="en-US" altLang="ja-JP" sz="3200" b="0" i="1">
-                                <a:latin typeface="+mj-lt"/>
+                                <a:latin typeface="Cambria Math" panose="02040503050406030204" pitchFamily="18" charset="0"/>
                               </a:rPr>
                               <m:t>𝐽</m:t>
                             </m:r>
@@ -12729,7 +13085,7 @@
                           <m:sub>
                             <m:r>
                               <a:rPr lang="en-US" altLang="ja-JP" sz="3200" b="0" i="1">
-                                <a:latin typeface="+mj-lt"/>
+                                <a:latin typeface="Cambria Math" panose="02040503050406030204" pitchFamily="18" charset="0"/>
                               </a:rPr>
                               <m:t>2</m:t>
                             </m:r>
@@ -12745,7 +13101,7 @@
               </p:txBody>
             </p:sp>
           </mc:Choice>
-          <mc:Fallback>
+          <mc:Fallback xmlns="">
             <p:sp>
               <p:nvSpPr>
                 <p:cNvPr id="4" name="正方形/長方形 3">
@@ -12790,8 +13146,8 @@
             </p:sp>
           </mc:Fallback>
         </mc:AlternateContent>
-        <mc:AlternateContent xmlns:mc="http://schemas.openxmlformats.org/markup-compatibility/2006">
-          <mc:Choice xmlns:a14="http://schemas.microsoft.com/office/drawing/2010/main" Requires="a14">
+        <mc:AlternateContent xmlns:mc="http://schemas.openxmlformats.org/markup-compatibility/2006" xmlns:a14="http://schemas.microsoft.com/office/drawing/2010/main">
+          <mc:Choice Requires="a14">
             <p:sp>
               <p:nvSpPr>
                 <p:cNvPr id="5" name="正方形/長方形 4">
@@ -12819,6 +13175,7 @@
                 </a:bodyPr>
                 <a:lstStyle/>
                 <a:p>
+                  <a:pPr/>
                   <a14:m>
                     <m:oMathPara xmlns:m="http://schemas.openxmlformats.org/officeDocument/2006/math">
                       <m:oMathParaPr>
@@ -12829,14 +13186,14 @@
                           <m:sSubPr>
                             <m:ctrlPr>
                               <a:rPr lang="en-US" altLang="ja-JP" sz="3200" i="1">
-                                <a:latin typeface="+mj-lt"/>
+                                <a:latin typeface="Cambria Math" panose="02040503050406030204" pitchFamily="18" charset="0"/>
                               </a:rPr>
                             </m:ctrlPr>
                           </m:sSubPr>
                           <m:e>
                             <m:r>
                               <a:rPr lang="en-US" altLang="ja-JP" sz="3200" b="0" i="1">
-                                <a:latin typeface="+mj-lt"/>
+                                <a:latin typeface="Cambria Math" panose="02040503050406030204" pitchFamily="18" charset="0"/>
                               </a:rPr>
                               <m:t>𝐽</m:t>
                             </m:r>
@@ -12844,7 +13201,7 @@
                           <m:sub>
                             <m:r>
                               <a:rPr lang="en-US" altLang="ja-JP" sz="3200" b="0" i="1">
-                                <a:latin typeface="+mj-lt"/>
+                                <a:latin typeface="Cambria Math" panose="02040503050406030204" pitchFamily="18" charset="0"/>
                               </a:rPr>
                               <m:t>1</m:t>
                             </m:r>
@@ -12860,7 +13217,7 @@
               </p:txBody>
             </p:sp>
           </mc:Choice>
-          <mc:Fallback>
+          <mc:Fallback xmlns="">
             <p:sp>
               <p:nvSpPr>
                 <p:cNvPr id="5" name="正方形/長方形 4">
@@ -12905,8 +13262,8 @@
             </p:sp>
           </mc:Fallback>
         </mc:AlternateContent>
-        <mc:AlternateContent xmlns:mc="http://schemas.openxmlformats.org/markup-compatibility/2006">
-          <mc:Choice xmlns:a14="http://schemas.microsoft.com/office/drawing/2010/main" Requires="a14">
+        <mc:AlternateContent xmlns:mc="http://schemas.openxmlformats.org/markup-compatibility/2006" xmlns:a14="http://schemas.microsoft.com/office/drawing/2010/main">
+          <mc:Choice Requires="a14">
             <p:sp>
               <p:nvSpPr>
                 <p:cNvPr id="6" name="正方形/長方形 5">
@@ -12934,6 +13291,7 @@
                 </a:bodyPr>
                 <a:lstStyle/>
                 <a:p>
+                  <a:pPr/>
                   <a14:m>
                     <m:oMathPara xmlns:m="http://schemas.openxmlformats.org/officeDocument/2006/math">
                       <m:oMathParaPr>
@@ -12944,14 +13302,14 @@
                           <m:sSubPr>
                             <m:ctrlPr>
                               <a:rPr lang="en-US" altLang="ja-JP" sz="3200" i="1">
-                                <a:latin typeface="+mj-lt"/>
+                                <a:latin typeface="Cambria Math" panose="02040503050406030204" pitchFamily="18" charset="0"/>
                               </a:rPr>
                             </m:ctrlPr>
                           </m:sSubPr>
                           <m:e>
                             <m:r>
                               <a:rPr lang="en-US" altLang="ja-JP" sz="3200" b="0" i="1">
-                                <a:latin typeface="+mj-lt"/>
+                                <a:latin typeface="Cambria Math" panose="02040503050406030204" pitchFamily="18" charset="0"/>
                               </a:rPr>
                               <m:t>𝐾</m:t>
                             </m:r>
@@ -12959,7 +13317,7 @@
                           <m:sub>
                             <m:r>
                               <a:rPr lang="en-US" altLang="ja-JP" sz="3200" b="0" i="1">
-                                <a:latin typeface="+mj-lt"/>
+                                <a:latin typeface="Cambria Math" panose="02040503050406030204" pitchFamily="18" charset="0"/>
                               </a:rPr>
                               <m:t>1</m:t>
                             </m:r>
@@ -12975,7 +13333,7 @@
               </p:txBody>
             </p:sp>
           </mc:Choice>
-          <mc:Fallback>
+          <mc:Fallback xmlns="">
             <p:sp>
               <p:nvSpPr>
                 <p:cNvPr id="6" name="正方形/長方形 5">
@@ -13020,8 +13378,8 @@
             </p:sp>
           </mc:Fallback>
         </mc:AlternateContent>
-        <mc:AlternateContent xmlns:mc="http://schemas.openxmlformats.org/markup-compatibility/2006">
-          <mc:Choice xmlns:a14="http://schemas.microsoft.com/office/drawing/2010/main" Requires="a14">
+        <mc:AlternateContent xmlns:mc="http://schemas.openxmlformats.org/markup-compatibility/2006" xmlns:a14="http://schemas.microsoft.com/office/drawing/2010/main">
+          <mc:Choice Requires="a14">
             <p:sp>
               <p:nvSpPr>
                 <p:cNvPr id="7" name="正方形/長方形 6">
@@ -13049,6 +13407,7 @@
                 </a:bodyPr>
                 <a:lstStyle/>
                 <a:p>
+                  <a:pPr/>
                   <a14:m>
                     <m:oMathPara xmlns:m="http://schemas.openxmlformats.org/officeDocument/2006/math">
                       <m:oMathParaPr>
@@ -13059,14 +13418,14 @@
                           <m:sSubPr>
                             <m:ctrlPr>
                               <a:rPr lang="en-US" altLang="ja-JP" sz="3200" i="1">
-                                <a:latin typeface="+mj-lt"/>
+                                <a:latin typeface="Cambria Math" panose="02040503050406030204" pitchFamily="18" charset="0"/>
                               </a:rPr>
                             </m:ctrlPr>
                           </m:sSubPr>
                           <m:e>
                             <m:r>
                               <a:rPr lang="en-US" altLang="ja-JP" sz="3200" b="0" i="1">
-                                <a:latin typeface="+mj-lt"/>
+                                <a:latin typeface="Cambria Math" panose="02040503050406030204" pitchFamily="18" charset="0"/>
                               </a:rPr>
                               <m:t>𝐾</m:t>
                             </m:r>
@@ -13074,7 +13433,7 @@
                           <m:sub>
                             <m:r>
                               <a:rPr lang="en-US" altLang="ja-JP" sz="3200" b="0" i="1">
-                                <a:latin typeface="+mj-lt"/>
+                                <a:latin typeface="Cambria Math" panose="02040503050406030204" pitchFamily="18" charset="0"/>
                               </a:rPr>
                               <m:t>2</m:t>
                             </m:r>
@@ -13090,7 +13449,7 @@
               </p:txBody>
             </p:sp>
           </mc:Choice>
-          <mc:Fallback>
+          <mc:Fallback xmlns="">
             <p:sp>
               <p:nvSpPr>
                 <p:cNvPr id="7" name="正方形/長方形 6">
@@ -13135,8 +13494,8 @@
             </p:sp>
           </mc:Fallback>
         </mc:AlternateContent>
-        <mc:AlternateContent xmlns:mc="http://schemas.openxmlformats.org/markup-compatibility/2006">
-          <mc:Choice xmlns:a14="http://schemas.microsoft.com/office/drawing/2010/main" Requires="a14">
+        <mc:AlternateContent xmlns:mc="http://schemas.openxmlformats.org/markup-compatibility/2006" xmlns:a14="http://schemas.microsoft.com/office/drawing/2010/main">
+          <mc:Choice Requires="a14">
             <p:sp>
               <p:nvSpPr>
                 <p:cNvPr id="8" name="正方形/長方形 7">
@@ -13164,6 +13523,7 @@
                 </a:bodyPr>
                 <a:lstStyle/>
                 <a:p>
+                  <a:pPr/>
                   <a14:m>
                     <m:oMathPara xmlns:m="http://schemas.openxmlformats.org/officeDocument/2006/math">
                       <m:oMathParaPr>
@@ -13174,14 +13534,14 @@
                           <m:sSubPr>
                             <m:ctrlPr>
                               <a:rPr lang="en-US" altLang="ja-JP" sz="3200" i="1">
-                                <a:latin typeface="+mj-lt"/>
+                                <a:latin typeface="Cambria Math" panose="02040503050406030204" pitchFamily="18" charset="0"/>
                               </a:rPr>
                             </m:ctrlPr>
                           </m:sSubPr>
                           <m:e>
                             <m:r>
                               <a:rPr lang="en-US" altLang="ja-JP" sz="3200" b="0" i="1">
-                                <a:latin typeface="+mj-lt"/>
+                                <a:latin typeface="Cambria Math" panose="02040503050406030204" pitchFamily="18" charset="0"/>
                               </a:rPr>
                               <m:t>𝐽</m:t>
                             </m:r>
@@ -13189,7 +13549,7 @@
                           <m:sub>
                             <m:r>
                               <a:rPr lang="en-US" altLang="ja-JP" sz="3200" b="0" i="1">
-                                <a:latin typeface="+mj-lt"/>
+                                <a:latin typeface="Cambria Math" panose="02040503050406030204" pitchFamily="18" charset="0"/>
                               </a:rPr>
                               <m:t>3</m:t>
                             </m:r>
@@ -13205,7 +13565,7 @@
               </p:txBody>
             </p:sp>
           </mc:Choice>
-          <mc:Fallback>
+          <mc:Fallback xmlns="">
             <p:sp>
               <p:nvSpPr>
                 <p:cNvPr id="8" name="正方形/長方形 7">
@@ -13250,8 +13610,8 @@
             </p:sp>
           </mc:Fallback>
         </mc:AlternateContent>
-        <mc:AlternateContent xmlns:mc="http://schemas.openxmlformats.org/markup-compatibility/2006">
-          <mc:Choice xmlns:a14="http://schemas.microsoft.com/office/drawing/2010/main" Requires="a14">
+        <mc:AlternateContent xmlns:mc="http://schemas.openxmlformats.org/markup-compatibility/2006" xmlns:a14="http://schemas.microsoft.com/office/drawing/2010/main">
+          <mc:Choice Requires="a14">
             <p:sp>
               <p:nvSpPr>
                 <p:cNvPr id="10" name="正方形/長方形 9">
@@ -13279,6 +13639,7 @@
                 </a:bodyPr>
                 <a:lstStyle/>
                 <a:p>
+                  <a:pPr/>
                   <a14:m>
                     <m:oMathPara xmlns:m="http://schemas.openxmlformats.org/officeDocument/2006/math">
                       <m:oMathParaPr>
@@ -13289,14 +13650,14 @@
                           <m:sSubPr>
                             <m:ctrlPr>
                               <a:rPr lang="en-US" altLang="ja-JP" sz="3200" i="1">
-                                <a:latin typeface="+mj-lt"/>
+                                <a:latin typeface="Cambria Math" panose="02040503050406030204" pitchFamily="18" charset="0"/>
                               </a:rPr>
                             </m:ctrlPr>
                           </m:sSubPr>
                           <m:e>
                             <m:r>
                               <a:rPr lang="en-US" altLang="ja-JP" sz="3200" b="0" i="1">
-                                <a:latin typeface="+mj-lt"/>
+                                <a:latin typeface="Cambria Math" panose="02040503050406030204" pitchFamily="18" charset="0"/>
                               </a:rPr>
                               <m:t>𝐼</m:t>
                             </m:r>
@@ -13304,7 +13665,7 @@
                           <m:sub>
                             <m:r>
                               <a:rPr lang="en-US" altLang="ja-JP" sz="3200" b="0" i="1">
-                                <a:latin typeface="+mj-lt"/>
+                                <a:latin typeface="Cambria Math" panose="02040503050406030204" pitchFamily="18" charset="0"/>
                               </a:rPr>
                               <m:t>2</m:t>
                             </m:r>
@@ -13320,7 +13681,7 @@
               </p:txBody>
             </p:sp>
           </mc:Choice>
-          <mc:Fallback>
+          <mc:Fallback xmlns="">
             <p:sp>
               <p:nvSpPr>
                 <p:cNvPr id="10" name="正方形/長方形 9">
@@ -13365,8 +13726,8 @@
             </p:sp>
           </mc:Fallback>
         </mc:AlternateContent>
-        <mc:AlternateContent xmlns:mc="http://schemas.openxmlformats.org/markup-compatibility/2006">
-          <mc:Choice xmlns:a14="http://schemas.microsoft.com/office/drawing/2010/main" Requires="a14">
+        <mc:AlternateContent xmlns:mc="http://schemas.openxmlformats.org/markup-compatibility/2006" xmlns:a14="http://schemas.microsoft.com/office/drawing/2010/main">
+          <mc:Choice Requires="a14">
             <p:sp>
               <p:nvSpPr>
                 <p:cNvPr id="11" name="正方形/長方形 10">
@@ -13394,6 +13755,7 @@
                 </a:bodyPr>
                 <a:lstStyle/>
                 <a:p>
+                  <a:pPr/>
                   <a14:m>
                     <m:oMathPara xmlns:m="http://schemas.openxmlformats.org/officeDocument/2006/math">
                       <m:oMathParaPr>
@@ -13404,14 +13766,14 @@
                           <m:sSubPr>
                             <m:ctrlPr>
                               <a:rPr lang="en-US" altLang="ja-JP" sz="3200" i="1">
-                                <a:latin typeface="+mj-lt"/>
+                                <a:latin typeface="Cambria Math" panose="02040503050406030204" pitchFamily="18" charset="0"/>
                               </a:rPr>
                             </m:ctrlPr>
                           </m:sSubPr>
                           <m:e>
                             <m:r>
                               <a:rPr lang="en-US" altLang="ja-JP" sz="3200" b="0" i="1">
-                                <a:latin typeface="+mj-lt"/>
+                                <a:latin typeface="Cambria Math" panose="02040503050406030204" pitchFamily="18" charset="0"/>
                               </a:rPr>
                               <m:t>𝐼</m:t>
                             </m:r>
@@ -13419,7 +13781,7 @@
                           <m:sub>
                             <m:r>
                               <a:rPr lang="en-US" altLang="ja-JP" sz="3200" b="0" i="1">
-                                <a:latin typeface="+mj-lt"/>
+                                <a:latin typeface="Cambria Math" panose="02040503050406030204" pitchFamily="18" charset="0"/>
                               </a:rPr>
                               <m:t>1</m:t>
                             </m:r>
@@ -13435,7 +13797,7 @@
               </p:txBody>
             </p:sp>
           </mc:Choice>
-          <mc:Fallback>
+          <mc:Fallback xmlns="">
             <p:sp>
               <p:nvSpPr>
                 <p:cNvPr id="11" name="正方形/長方形 10">
@@ -13494,7 +13856,7 @@
 </p:sld>
 </file>
 
-<file path=ppt/slides/slide24.xml><?xml version="1.0" encoding="utf-8"?>
+<file path=ppt/slides/slide25.xml><?xml version="1.0" encoding="utf-8"?>
 <p:sld xmlns:a="http://schemas.openxmlformats.org/drawingml/2006/main" xmlns:r="http://schemas.openxmlformats.org/officeDocument/2006/relationships" xmlns:p="http://schemas.openxmlformats.org/presentationml/2006/main">
   <p:cSld>
     <p:spTree>
@@ -14325,7 +14687,7 @@
 </p:sld>
 </file>
 
-<file path=ppt/slides/slide25.xml><?xml version="1.0" encoding="utf-8"?>
+<file path=ppt/slides/slide26.xml><?xml version="1.0" encoding="utf-8"?>
 <p:sld xmlns:a="http://schemas.openxmlformats.org/drawingml/2006/main" xmlns:r="http://schemas.openxmlformats.org/officeDocument/2006/relationships" xmlns:p="http://schemas.openxmlformats.org/presentationml/2006/main">
   <p:cSld>
     <p:spTree>
@@ -17242,6 +17604,10 @@
               <a:rPr lang="ja-JP" altLang="en-US" sz="2800" dirty="0"/>
               <a:t>して人工ニューロンが配置される．配置される人工ニューロンの個数を</a:t>
             </a:r>
+            <a:r>
+              <a:rPr lang="en-US" altLang="ja-JP" sz="2800" dirty="0"/>
+              <a:t/>
+            </a:r>
             <a:br>
               <a:rPr lang="en-US" altLang="ja-JP" sz="2800" dirty="0"/>
             </a:br>
@@ -17288,6 +17654,10 @@
             <a:r>
               <a:rPr lang="ja-JP" altLang="en-US" sz="2800" dirty="0"/>
               <a:t>層に分割して人工ニューロンを配置し，</a:t>
+            </a:r>
+            <a:r>
+              <a:rPr lang="en-US" altLang="ja-JP" sz="2800" dirty="0"/>
+              <a:t/>
             </a:r>
             <a:br>
               <a:rPr lang="en-US" altLang="ja-JP" sz="2800" dirty="0"/>
@@ -17405,8 +17775,8 @@
           </a:p>
         </p:txBody>
       </p:sp>
-      <mc:AlternateContent xmlns:mc="http://schemas.openxmlformats.org/markup-compatibility/2006">
-        <mc:Choice xmlns:a14="http://schemas.microsoft.com/office/drawing/2010/main" Requires="a14">
+      <mc:AlternateContent xmlns:mc="http://schemas.openxmlformats.org/markup-compatibility/2006" xmlns:a14="http://schemas.microsoft.com/office/drawing/2010/main">
+        <mc:Choice Requires="a14">
           <p:graphicFrame>
             <p:nvGraphicFramePr>
               <p:cNvPr id="7" name="表 6"/>
@@ -17423,7 +17793,7 @@
             </p:nvGraphicFramePr>
             <p:xfrm>
               <a:off x="5905500" y="5676709"/>
-              <a:ext cx="2933700" cy="1028891"/>
+              <a:ext cx="2933700" cy="1025462"/>
             </p:xfrm>
             <a:graphic>
               <a:graphicData uri="http://schemas.openxmlformats.org/drawingml/2006/table">
@@ -17467,7 +17837,7 @@
                                         <a:solidFill>
                                           <a:schemeClr val="tx1"/>
                                         </a:solidFill>
-                                        <a:latin typeface="+mj-lt"/>
+                                        <a:latin typeface="Cambria Math" panose="02040503050406030204" pitchFamily="18" charset="0"/>
                                       </a:rPr>
                                     </m:ctrlPr>
                                   </m:sSubPr>
@@ -17477,7 +17847,7 @@
                                         <a:solidFill>
                                           <a:schemeClr val="tx1"/>
                                         </a:solidFill>
-                                        <a:latin typeface="+mj-lt"/>
+                                        <a:latin typeface="Cambria Math" panose="02040503050406030204" pitchFamily="18" charset="0"/>
                                       </a:rPr>
                                       <m:t>𝐼</m:t>
                                     </m:r>
@@ -17488,7 +17858,7 @@
                                         <a:solidFill>
                                           <a:schemeClr val="tx1"/>
                                         </a:solidFill>
-                                        <a:latin typeface="+mj-lt"/>
+                                        <a:latin typeface="Cambria Math" panose="02040503050406030204" pitchFamily="18" charset="0"/>
                                       </a:rPr>
                                       <m:t>𝑖</m:t>
                                     </m:r>
@@ -17657,7 +18027,7 @@
                                         <a:solidFill>
                                           <a:schemeClr val="tx1"/>
                                         </a:solidFill>
-                                        <a:latin typeface="+mj-lt"/>
+                                        <a:latin typeface="Cambria Math" panose="02040503050406030204" pitchFamily="18" charset="0"/>
                                       </a:rPr>
                                     </m:ctrlPr>
                                   </m:sSubPr>
@@ -17667,7 +18037,7 @@
                                         <a:solidFill>
                                           <a:schemeClr val="tx1"/>
                                         </a:solidFill>
-                                        <a:latin typeface="+mj-lt"/>
+                                        <a:latin typeface="Cambria Math" panose="02040503050406030204" pitchFamily="18" charset="0"/>
                                       </a:rPr>
                                       <m:t>𝐽</m:t>
                                     </m:r>
@@ -17678,7 +18048,7 @@
                                         <a:solidFill>
                                           <a:schemeClr val="tx1"/>
                                         </a:solidFill>
-                                        <a:latin typeface="+mj-lt"/>
+                                        <a:latin typeface="Cambria Math" panose="02040503050406030204" pitchFamily="18" charset="0"/>
                                       </a:rPr>
                                       <m:t>𝑗</m:t>
                                     </m:r>
@@ -17835,7 +18205,7 @@
                                         <a:solidFill>
                                           <a:schemeClr val="tx1"/>
                                         </a:solidFill>
-                                        <a:latin typeface="+mj-lt"/>
+                                        <a:latin typeface="Cambria Math" panose="02040503050406030204" pitchFamily="18" charset="0"/>
                                       </a:rPr>
                                     </m:ctrlPr>
                                   </m:sSubPr>
@@ -17845,7 +18215,7 @@
                                         <a:solidFill>
                                           <a:schemeClr val="tx1"/>
                                         </a:solidFill>
-                                        <a:latin typeface="+mj-lt"/>
+                                        <a:latin typeface="Cambria Math" panose="02040503050406030204" pitchFamily="18" charset="0"/>
                                       </a:rPr>
                                       <m:t>𝐾</m:t>
                                     </m:r>
@@ -17856,7 +18226,7 @@
                                         <a:solidFill>
                                           <a:schemeClr val="tx1"/>
                                         </a:solidFill>
-                                        <a:latin typeface="+mj-lt"/>
+                                        <a:latin typeface="Cambria Math" panose="02040503050406030204" pitchFamily="18" charset="0"/>
                                       </a:rPr>
                                       <m:t>𝑘</m:t>
                                     </m:r>
@@ -18010,7 +18380,7 @@
             </a:graphic>
           </p:graphicFrame>
         </mc:Choice>
-        <mc:Fallback>
+        <mc:Fallback xmlns="">
           <p:graphicFrame>
             <p:nvGraphicFramePr>
               <p:cNvPr id="7" name="表 6"/>
@@ -18967,7 +19337,7 @@
               <a:p>
                 <a:pPr algn="just"/>
                 <a:r>
-                  <a:rPr lang="ja-JP" altLang="en-US" sz="2800" dirty="0"/>
+                  <a:rPr lang="ja-JP" altLang="en-US" sz="2800" dirty="0" smtClean="0"/>
                   <a:t>入力層ユニット</a:t>
                 </a:r>
                 <a14:m>
@@ -18979,7 +19349,7 @@
                             <a:solidFill>
                               <a:srgbClr val="FF0000"/>
                             </a:solidFill>
-                            <a:latin typeface="+mj-lt"/>
+                            <a:latin typeface="Cambria Math" panose="02040503050406030204" pitchFamily="18" charset="0"/>
                           </a:rPr>
                         </m:ctrlPr>
                       </m:sSubPr>
@@ -18989,7 +19359,7 @@
                             <a:solidFill>
                               <a:srgbClr val="FF0000"/>
                             </a:solidFill>
-                            <a:latin typeface="+mj-lt"/>
+                            <a:latin typeface="Cambria Math" panose="02040503050406030204" pitchFamily="18" charset="0"/>
                           </a:rPr>
                           <m:t>𝐼</m:t>
                         </m:r>
@@ -19039,12 +19409,8 @@
                   <a:t>i</a:t>
                 </a:r>
                 <a:r>
-                  <a:rPr lang="ja-JP" altLang="en-US" sz="2400"/>
-                  <a:t>番目の</a:t>
-                </a:r>
-                <a:r>
                   <a:rPr lang="ja-JP" altLang="en-US" sz="2400" dirty="0"/>
-                  <a:t>要素</a:t>
+                  <a:t>番目の要素</a:t>
                 </a:r>
                 <a14:m>
                   <m:oMath xmlns:m="http://schemas.openxmlformats.org/officeDocument/2006/math">
@@ -19055,7 +19421,7 @@
                             <a:solidFill>
                               <a:srgbClr val="FF0000"/>
                             </a:solidFill>
-                            <a:latin typeface="+mj-lt"/>
+                            <a:latin typeface="Cambria Math" panose="02040503050406030204" pitchFamily="18" charset="0"/>
                           </a:rPr>
                         </m:ctrlPr>
                       </m:sSubPr>
@@ -19065,7 +19431,7 @@
                             <a:solidFill>
                               <a:srgbClr val="FF0000"/>
                             </a:solidFill>
-                            <a:latin typeface="+mj-lt"/>
+                            <a:latin typeface="Cambria Math" panose="02040503050406030204" pitchFamily="18" charset="0"/>
                           </a:rPr>
                           <m:t>𝑥</m:t>
                         </m:r>
@@ -19076,18 +19442,9 @@
                             <a:solidFill>
                               <a:srgbClr val="FF0000"/>
                             </a:solidFill>
-                            <a:latin typeface="+mj-lt"/>
-                          </a:rPr>
-                          <m:t>𝑝</m:t>
-                        </m:r>
-                        <m:r>
-                          <a:rPr lang="en-US" altLang="ja-JP" sz="2400" b="0" i="1" smtClean="0">
-                            <a:solidFill>
-                              <a:srgbClr val="FF0000"/>
-                            </a:solidFill>
                             <a:latin typeface="Cambria Math" panose="02040503050406030204" pitchFamily="18" charset="0"/>
                           </a:rPr>
-                          <m:t>𝑖</m:t>
+                          <m:t>𝑝𝑖</m:t>
                         </m:r>
                       </m:sub>
                     </m:sSub>
@@ -19103,26 +19460,28 @@
                   <m:oMath xmlns:m="http://schemas.openxmlformats.org/officeDocument/2006/math">
                     <m:r>
                       <a:rPr lang="en-US" altLang="ja-JP" sz="2400" b="0" i="1" dirty="0" smtClean="0">
-                        <a:latin typeface="+mj-lt"/>
+                        <a:latin typeface="Cambria Math" panose="02040503050406030204" pitchFamily="18" charset="0"/>
                       </a:rPr>
                       <m:t>𝑖</m:t>
                     </m:r>
                     <m:r>
-                      <a:rPr lang="en-US" altLang="ja-JP" sz="2400" b="0" i="1" dirty="0" smtClean="0"/>
+                      <a:rPr lang="en-US" altLang="ja-JP" sz="2400" b="0" i="1" dirty="0" smtClean="0">
+                        <a:latin typeface="Cambria Math" panose="02040503050406030204" pitchFamily="18" charset="0"/>
+                      </a:rPr>
                       <m:t>=1, 2, …,</m:t>
                     </m:r>
                     <m:sSub>
                       <m:sSubPr>
                         <m:ctrlPr>
                           <a:rPr lang="en-US" altLang="ja-JP" sz="2400" b="0" i="1" dirty="0" smtClean="0">
-                            <a:latin typeface="+mj-lt"/>
+                            <a:latin typeface="Cambria Math" panose="02040503050406030204" pitchFamily="18" charset="0"/>
                           </a:rPr>
                         </m:ctrlPr>
                       </m:sSubPr>
                       <m:e>
                         <m:r>
                           <a:rPr lang="en-US" altLang="ja-JP" sz="2400" b="0" i="1" dirty="0" smtClean="0">
-                            <a:latin typeface="+mj-lt"/>
+                            <a:latin typeface="Cambria Math" panose="02040503050406030204" pitchFamily="18" charset="0"/>
                           </a:rPr>
                           <m:t>𝑛</m:t>
                         </m:r>
@@ -19130,7 +19489,7 @@
                       <m:sub>
                         <m:r>
                           <a:rPr lang="en-US" altLang="ja-JP" sz="2400" b="0" i="1" dirty="0" smtClean="0">
-                            <a:latin typeface="+mj-lt"/>
+                            <a:latin typeface="Cambria Math" panose="02040503050406030204" pitchFamily="18" charset="0"/>
                           </a:rPr>
                           <m:t>1</m:t>
                         </m:r>
@@ -19153,7 +19512,7 @@
                             <a:solidFill>
                               <a:srgbClr val="FF0000"/>
                             </a:solidFill>
-                            <a:latin typeface="+mj-lt"/>
+                            <a:latin typeface="Cambria Math" panose="02040503050406030204" pitchFamily="18" charset="0"/>
                           </a:rPr>
                         </m:ctrlPr>
                       </m:sSubPr>
@@ -19163,7 +19522,7 @@
                             <a:solidFill>
                               <a:srgbClr val="FF0000"/>
                             </a:solidFill>
-                            <a:latin typeface="+mj-lt"/>
+                            <a:latin typeface="Cambria Math" panose="02040503050406030204" pitchFamily="18" charset="0"/>
                           </a:rPr>
                           <m:t>𝑛</m:t>
                         </m:r>
@@ -19174,7 +19533,7 @@
                             <a:solidFill>
                               <a:srgbClr val="FF0000"/>
                             </a:solidFill>
-                            <a:latin typeface="+mj-lt"/>
+                            <a:latin typeface="Cambria Math" panose="02040503050406030204" pitchFamily="18" charset="0"/>
                           </a:rPr>
                           <m:t>1</m:t>
                         </m:r>
@@ -19219,7 +19578,7 @@
                             <a:solidFill>
                               <a:srgbClr val="FF0000"/>
                             </a:solidFill>
-                            <a:latin typeface="+mj-lt"/>
+                            <a:latin typeface="Cambria Math" panose="02040503050406030204" pitchFamily="18" charset="0"/>
                           </a:rPr>
                         </m:ctrlPr>
                       </m:sSubPr>
@@ -19229,7 +19588,7 @@
                             <a:solidFill>
                               <a:srgbClr val="FF0000"/>
                             </a:solidFill>
-                            <a:latin typeface="+mj-lt"/>
+                            <a:latin typeface="Cambria Math" panose="02040503050406030204" pitchFamily="18" charset="0"/>
                           </a:rPr>
                           <m:t>𝐽</m:t>
                         </m:r>
@@ -19240,7 +19599,7 @@
                             <a:solidFill>
                               <a:srgbClr val="FF0000"/>
                             </a:solidFill>
-                            <a:latin typeface="+mj-lt"/>
+                            <a:latin typeface="Cambria Math" panose="02040503050406030204" pitchFamily="18" charset="0"/>
                           </a:rPr>
                           <m:t>𝑗</m:t>
                         </m:r>
@@ -19266,14 +19625,14 @@
                       <m:sSubPr>
                         <m:ctrlPr>
                           <a:rPr lang="en-US" altLang="ja-JP" sz="2400" i="1" dirty="0">
-                            <a:latin typeface="+mj-lt"/>
+                            <a:latin typeface="Cambria Math" panose="02040503050406030204" pitchFamily="18" charset="0"/>
                           </a:rPr>
                         </m:ctrlPr>
                       </m:sSubPr>
                       <m:e>
                         <m:r>
                           <a:rPr lang="en-US" altLang="ja-JP" sz="2400" b="0" i="1" dirty="0">
-                            <a:latin typeface="+mj-lt"/>
+                            <a:latin typeface="Cambria Math" panose="02040503050406030204" pitchFamily="18" charset="0"/>
                           </a:rPr>
                           <m:t>𝐼</m:t>
                         </m:r>
@@ -19305,14 +19664,14 @@
                       <m:sSubPr>
                         <m:ctrlPr>
                           <a:rPr lang="en-US" altLang="ja-JP" sz="2400" i="1" dirty="0">
-                            <a:latin typeface="+mj-lt"/>
+                            <a:latin typeface="Cambria Math" panose="02040503050406030204" pitchFamily="18" charset="0"/>
                           </a:rPr>
                         </m:ctrlPr>
                       </m:sSubPr>
                       <m:e>
                         <m:r>
                           <a:rPr lang="en-US" altLang="ja-JP" sz="2400" i="1" dirty="0">
-                            <a:latin typeface="+mj-lt"/>
+                            <a:latin typeface="Cambria Math" panose="02040503050406030204" pitchFamily="18" charset="0"/>
                           </a:rPr>
                           <m:t>𝐼</m:t>
                         </m:r>
@@ -19322,14 +19681,14 @@
                           <m:sSubPr>
                             <m:ctrlPr>
                               <a:rPr lang="en-US" altLang="ja-JP" sz="2400" i="1" dirty="0">
-                                <a:latin typeface="+mj-lt"/>
+                                <a:latin typeface="Cambria Math" panose="02040503050406030204" pitchFamily="18" charset="0"/>
                               </a:rPr>
                             </m:ctrlPr>
                           </m:sSubPr>
                           <m:e>
                             <m:r>
                               <a:rPr lang="en-US" altLang="ja-JP" sz="2400" b="0" i="1" dirty="0">
-                                <a:latin typeface="+mj-lt"/>
+                                <a:latin typeface="Cambria Math" panose="02040503050406030204" pitchFamily="18" charset="0"/>
                               </a:rPr>
                               <m:t>𝑛</m:t>
                             </m:r>
@@ -19337,7 +19696,7 @@
                           <m:sub>
                             <m:r>
                               <a:rPr lang="en-US" altLang="ja-JP" sz="2400" b="0" i="1" dirty="0">
-                                <a:latin typeface="+mj-lt"/>
+                                <a:latin typeface="Cambria Math" panose="02040503050406030204" pitchFamily="18" charset="0"/>
                               </a:rPr>
                               <m:t>1</m:t>
                             </m:r>
@@ -19363,7 +19722,7 @@
                   <m:oMath xmlns:m="http://schemas.openxmlformats.org/officeDocument/2006/math">
                     <m:r>
                       <a:rPr lang="en-US" altLang="ja-JP" sz="2400" b="0" i="1" dirty="0">
-                        <a:latin typeface="+mj-lt"/>
+                        <a:latin typeface="Cambria Math" panose="02040503050406030204" pitchFamily="18" charset="0"/>
                       </a:rPr>
                       <m:t>𝑗</m:t>
                     </m:r>
@@ -19489,7 +19848,7 @@
                             <a:solidFill>
                               <a:srgbClr val="FF0000"/>
                             </a:solidFill>
-                            <a:latin typeface="+mj-lt"/>
+                            <a:latin typeface="Cambria Math" panose="02040503050406030204" pitchFamily="18" charset="0"/>
                           </a:rPr>
                         </m:ctrlPr>
                       </m:sSubPr>
@@ -19499,7 +19858,7 @@
                             <a:solidFill>
                               <a:srgbClr val="FF0000"/>
                             </a:solidFill>
-                            <a:latin typeface="+mj-lt"/>
+                            <a:latin typeface="Cambria Math" panose="02040503050406030204" pitchFamily="18" charset="0"/>
                           </a:rPr>
                           <m:t>𝐾</m:t>
                         </m:r>
@@ -19510,7 +19869,7 @@
                             <a:solidFill>
                               <a:srgbClr val="FF0000"/>
                             </a:solidFill>
-                            <a:latin typeface="+mj-lt"/>
+                            <a:latin typeface="Cambria Math" panose="02040503050406030204" pitchFamily="18" charset="0"/>
                           </a:rPr>
                           <m:t>𝑘</m:t>
                         </m:r>
@@ -19536,14 +19895,14 @@
                       <m:sSubPr>
                         <m:ctrlPr>
                           <a:rPr lang="en-US" altLang="ja-JP" sz="2400" i="1" dirty="0">
-                            <a:latin typeface="+mj-lt"/>
+                            <a:latin typeface="Cambria Math" panose="02040503050406030204" pitchFamily="18" charset="0"/>
                           </a:rPr>
                         </m:ctrlPr>
                       </m:sSubPr>
                       <m:e>
                         <m:r>
                           <a:rPr lang="en-US" altLang="ja-JP" sz="2400" b="0" i="1" dirty="0">
-                            <a:latin typeface="+mj-lt"/>
+                            <a:latin typeface="Cambria Math" panose="02040503050406030204" pitchFamily="18" charset="0"/>
                           </a:rPr>
                           <m:t>𝐽</m:t>
                         </m:r>
@@ -19551,7 +19910,7 @@
                       <m:sub>
                         <m:r>
                           <a:rPr lang="en-US" altLang="ja-JP" sz="2400" i="1" dirty="0">
-                            <a:latin typeface="+mj-lt"/>
+                            <a:latin typeface="Cambria Math" panose="02040503050406030204" pitchFamily="18" charset="0"/>
                           </a:rPr>
                           <m:t>1</m:t>
                         </m:r>
@@ -19569,14 +19928,14 @@
                       <m:sSubPr>
                         <m:ctrlPr>
                           <a:rPr lang="en-US" altLang="ja-JP" sz="2400" i="1" dirty="0">
-                            <a:latin typeface="+mj-lt"/>
+                            <a:latin typeface="Cambria Math" panose="02040503050406030204" pitchFamily="18" charset="0"/>
                           </a:rPr>
                         </m:ctrlPr>
                       </m:sSubPr>
                       <m:e>
                         <m:r>
                           <a:rPr lang="en-US" altLang="ja-JP" sz="2400" b="0" i="1" dirty="0">
-                            <a:latin typeface="+mj-lt"/>
+                            <a:latin typeface="Cambria Math" panose="02040503050406030204" pitchFamily="18" charset="0"/>
                           </a:rPr>
                           <m:t>𝐽</m:t>
                         </m:r>
@@ -19586,24 +19945,24 @@
                           <m:sSubPr>
                             <m:ctrlPr>
                               <a:rPr lang="en-US" altLang="ja-JP" sz="2400" i="1" dirty="0">
-                                <a:latin typeface="+mj-lt"/>
+                                <a:latin typeface="Cambria Math" panose="02040503050406030204" pitchFamily="18" charset="0"/>
                               </a:rPr>
                             </m:ctrlPr>
                           </m:sSubPr>
                           <m:e>
                             <m:r>
                               <a:rPr lang="en-US" altLang="ja-JP" sz="2400" i="1" dirty="0">
-                                <a:latin typeface="+mj-lt"/>
+                                <a:latin typeface="Cambria Math" panose="02040503050406030204" pitchFamily="18" charset="0"/>
                               </a:rPr>
                               <m:t>𝑛</m:t>
                             </m:r>
                           </m:e>
                           <m:sub>
                             <m:r>
-                              <a:rPr lang="en-US" altLang="ja-JP" sz="2400" b="0" i="1" dirty="0">
-                                <a:latin typeface="+mj-lt"/>
+                              <a:rPr lang="en-US" altLang="ja-JP" sz="2400" b="0" i="1" dirty="0" smtClean="0">
+                                <a:latin typeface="Cambria Math" panose="02040503050406030204" pitchFamily="18" charset="0"/>
                               </a:rPr>
-                              <m:t>3</m:t>
+                              <m:t>2</m:t>
                             </m:r>
                           </m:sub>
                         </m:sSub>
@@ -19612,18 +19971,18 @@
                   </m:oMath>
                 </a14:m>
                 <a:r>
-                  <a:rPr lang="ja-JP" altLang="en-US" sz="2400" dirty="0"/>
+                  <a:rPr lang="ja-JP" altLang="en-US" sz="2400" dirty="0" smtClean="0"/>
                   <a:t>の出力</a:t>
                 </a:r>
-                <a:endParaRPr lang="en-US" altLang="ja-JP" sz="2400" dirty="0"/>
+                <a:endParaRPr lang="en-US" altLang="ja-JP" sz="2400" dirty="0" smtClean="0"/>
               </a:p>
               <a:p>
                 <a:pPr lvl="1" algn="just"/>
                 <a14:m>
                   <m:oMath xmlns:m="http://schemas.openxmlformats.org/officeDocument/2006/math">
                     <m:r>
-                      <a:rPr lang="en-US" altLang="ja-JP" sz="2400" b="0" i="1" dirty="0">
-                        <a:latin typeface="+mj-lt"/>
+                      <a:rPr lang="en-US" altLang="ja-JP" sz="2400" i="1" dirty="0">
+                        <a:latin typeface="Cambria Math" panose="02040503050406030204" pitchFamily="18" charset="0"/>
                       </a:rPr>
                       <m:t>𝑘</m:t>
                     </m:r>
@@ -19651,7 +20010,7 @@
                       </m:e>
                       <m:sub>
                         <m:r>
-                          <a:rPr lang="en-US" altLang="ja-JP" sz="2400" b="0" i="1" dirty="0">
+                          <a:rPr lang="en-US" altLang="ja-JP" sz="2400" i="1" dirty="0">
                             <a:latin typeface="Cambria Math" panose="02040503050406030204" pitchFamily="18" charset="0"/>
                           </a:rPr>
                           <m:t>3</m:t>
@@ -19690,7 +20049,7 @@
                       </m:e>
                       <m:sub>
                         <m:r>
-                          <a:rPr lang="en-US" altLang="ja-JP" sz="2400" b="0" i="1" dirty="0">
+                          <a:rPr lang="en-US" altLang="ja-JP" sz="2400" i="1" dirty="0">
                             <a:solidFill>
                               <a:srgbClr val="FF0000"/>
                             </a:solidFill>
@@ -19720,9 +20079,10 @@
                   <a:t>総ユニット数</a:t>
                 </a:r>
                 <a:r>
-                  <a:rPr lang="en-US" altLang="ja-JP" sz="2400" dirty="0"/>
+                  <a:rPr lang="en-US" altLang="ja-JP" sz="2400" dirty="0" smtClean="0"/>
                   <a:t>)</a:t>
                 </a:r>
+                <a:endParaRPr lang="en-US" altLang="ja-JP" sz="2400" dirty="0"/>
               </a:p>
               <a:p>
                 <a:pPr algn="just"/>
@@ -19762,7 +20122,7 @@
               <a:blipFill>
                 <a:blip r:embed="rId2"/>
                 <a:stretch>
-                  <a:fillRect l="-1168" t="-1716" b="-3431"/>
+                  <a:fillRect l="-1263" t="-1529" b="-3294"/>
                 </a:stretch>
               </a:blipFill>
             </p:spPr>
@@ -19834,8 +20194,8 @@
           </a:p>
         </p:txBody>
       </p:sp>
-      <mc:AlternateContent xmlns:mc="http://schemas.openxmlformats.org/markup-compatibility/2006">
-        <mc:Choice xmlns:a14="http://schemas.microsoft.com/office/drawing/2010/main" Requires="a14">
+      <mc:AlternateContent xmlns:mc="http://schemas.openxmlformats.org/markup-compatibility/2006" xmlns:a14="http://schemas.microsoft.com/office/drawing/2010/main">
+        <mc:Choice Requires="a14">
           <p:sp>
             <p:nvSpPr>
               <p:cNvPr id="3" name="コンテンツ プレースホルダー 2"/>
@@ -20078,7 +20438,7 @@
             </p:txBody>
           </p:sp>
         </mc:Choice>
-        <mc:Fallback>
+        <mc:Fallback xmlns="">
           <p:sp>
             <p:nvSpPr>
               <p:cNvPr id="3" name="コンテンツ プレースホルダー 2"/>
@@ -20144,8 +20504,8 @@
               <a:chExt cx="1937835" cy="1711703"/>
             </a:xfrm>
           </p:grpSpPr>
-          <mc:AlternateContent xmlns:mc="http://schemas.openxmlformats.org/markup-compatibility/2006">
-            <mc:Choice xmlns:a14="http://schemas.microsoft.com/office/drawing/2010/main" Requires="a14">
+          <mc:AlternateContent xmlns:mc="http://schemas.openxmlformats.org/markup-compatibility/2006" xmlns:a14="http://schemas.microsoft.com/office/drawing/2010/main">
+            <mc:Choice Requires="a14">
               <p:sp>
                 <p:nvSpPr>
                   <p:cNvPr id="11" name="楕円 10"/>
@@ -20242,7 +20602,7 @@
                 </p:txBody>
               </p:sp>
             </mc:Choice>
-            <mc:Fallback>
+            <mc:Fallback xmlns="">
               <p:sp>
                 <p:nvSpPr>
                   <p:cNvPr id="11" name="楕円 10"/>
@@ -20720,8 +21080,8 @@
             </a:p>
           </p:txBody>
         </p:sp>
-        <mc:AlternateContent xmlns:mc="http://schemas.openxmlformats.org/markup-compatibility/2006">
-          <mc:Choice xmlns:a14="http://schemas.microsoft.com/office/drawing/2010/main" Requires="a14">
+        <mc:AlternateContent xmlns:mc="http://schemas.openxmlformats.org/markup-compatibility/2006" xmlns:a14="http://schemas.microsoft.com/office/drawing/2010/main">
+          <mc:Choice Requires="a14">
             <p:graphicFrame>
               <p:nvGraphicFramePr>
                 <p:cNvPr id="23" name="オブジェクト 22"/>
@@ -20744,7 +21104,7 @@
                 <a:graphicData uri="http://schemas.openxmlformats.org/presentationml/2006/ole">
                   <mc:AlternateContent>
                     <mc:Choice xmlns:v="urn:schemas-microsoft-com:vml" Requires="v">
-                      <p:oleObj spid="_x0000_s10277" name="数式" r:id="rId8" imgW="164880" imgH="228600" progId="Equation.3">
+                      <p:oleObj spid="_x0000_s10281" name="数式" r:id="rId8" imgW="164880" imgH="228600" progId="Equation.3">
                         <p:embed/>
                       </p:oleObj>
                     </mc:Choice>
@@ -20780,7 +21140,7 @@
               </a:graphic>
             </p:graphicFrame>
           </mc:Choice>
-          <mc:Fallback>
+          <mc:Fallback xmlns="">
             <p:graphicFrame>
               <p:nvGraphicFramePr>
                 <p:cNvPr id="23" name="オブジェクト 22"/>
@@ -20803,12 +21163,12 @@
                 <a:graphicData uri="http://schemas.openxmlformats.org/presentationml/2006/ole">
                   <mc:AlternateContent>
                     <mc:Choice xmlns:v="urn:schemas-microsoft-com:vml" Requires="v">
-                      <p:oleObj spid="_x0000_s10277" name="数式" r:id="rId8" imgW="164880" imgH="228600" progId="Equation.3">
+                      <p:oleObj spid="_x0000_s10277" name="数式" r:id="rId10" imgW="164880" imgH="228600" progId="Equation.3">
                         <p:embed/>
                       </p:oleObj>
                     </mc:Choice>
                     <mc:Fallback>
-                      <p:oleObj name="数式" r:id="rId8" imgW="164880" imgH="228600" progId="Equation.3">
+                      <p:oleObj name="数式" r:id="rId10" imgW="164880" imgH="228600" progId="Equation.3">
                         <p:embed/>
                         <p:pic>
                           <p:nvPicPr>
@@ -20817,7 +21177,7 @@
                             <p:nvPr/>
                           </p:nvPicPr>
                           <p:blipFill>
-                            <a:blip r:embed="rId9"/>
+                            <a:blip r:embed="rId11"/>
                             <a:stretch>
                               <a:fillRect/>
                             </a:stretch>
@@ -21026,15 +21386,11 @@
               <a:p>
                 <a:pPr algn="just"/>
                 <a:r>
-                  <a:rPr lang="ja-JP" altLang="en-US"/>
-                  <a:t>自然</a:t>
+                  <a:rPr lang="ja-JP" altLang="en-US" sz="2800" dirty="0"/>
+                  <a:t>自然ニューロンは，しきい値を超える刺激を受け取ると</a:t>
                 </a:r>
                 <a:r>
-                  <a:rPr lang="ja-JP" altLang="en-US" sz="2800"/>
-                  <a:t>ニューロンは，しきい値を超える刺激を受け取ると</a:t>
-                </a:r>
-                <a:r>
-                  <a:rPr lang="ja-JP" altLang="en-US" sz="2800">
+                  <a:rPr lang="ja-JP" altLang="en-US" sz="2800" dirty="0">
                     <a:solidFill>
                       <a:srgbClr val="FF0000"/>
                     </a:solidFill>
@@ -21042,19 +21398,19 @@
                   <a:t>活動電位</a:t>
                 </a:r>
                 <a:r>
-                  <a:rPr lang="ja-JP" altLang="en-US" sz="2800"/>
+                  <a:rPr lang="ja-JP" altLang="en-US" sz="2800" dirty="0"/>
                   <a:t>を生じさせて情報を伝達する．</a:t>
                 </a:r>
-                <a:endParaRPr lang="en-US" altLang="ja-JP" sz="2800"/>
+                <a:endParaRPr lang="en-US" altLang="ja-JP" sz="2800" dirty="0"/>
               </a:p>
               <a:p>
                 <a:pPr algn="just"/>
                 <a:r>
-                  <a:rPr lang="ja-JP" altLang="en-US" sz="2800"/>
+                  <a:rPr lang="ja-JP" altLang="en-US" sz="2800" dirty="0"/>
                   <a:t>入力信号に対してニューロンがどのような条件で信号を出力するのかを決める</a:t>
                 </a:r>
                 <a:r>
-                  <a:rPr lang="ja-JP" altLang="en-US" sz="2800">
+                  <a:rPr lang="ja-JP" altLang="en-US" sz="2800" dirty="0">
                     <a:solidFill>
                       <a:srgbClr val="FF0000"/>
                     </a:solidFill>
@@ -21062,10 +21418,10 @@
                   <a:t>活性化関数</a:t>
                 </a:r>
                 <a:r>
-                  <a:rPr lang="ja-JP" altLang="en-US" sz="2800"/>
+                  <a:rPr lang="ja-JP" altLang="en-US" sz="2800" dirty="0"/>
                   <a:t>にシグモイド関数を使用する．</a:t>
                 </a:r>
-                <a:endParaRPr lang="en-US" altLang="ja-JP" sz="2800"/>
+                <a:endParaRPr lang="en-US" altLang="ja-JP" sz="2800" dirty="0"/>
               </a:p>
               <a:p>
                 <a:pPr algn="just"/>
@@ -21161,15 +21517,15 @@
                     </m:f>
                   </m:oMath>
                 </a14:m>
-                <a:endParaRPr lang="en-US" altLang="ja-JP"/>
+                <a:endParaRPr lang="en-US" altLang="ja-JP" dirty="0"/>
               </a:p>
               <a:p>
                 <a:pPr algn="just"/>
-                <a:endParaRPr lang="en-US" altLang="ja-JP"/>
+                <a:endParaRPr lang="en-US" altLang="ja-JP" dirty="0"/>
               </a:p>
               <a:p>
                 <a:pPr algn="just"/>
-                <a:endParaRPr lang="en-US" altLang="ja-JP"/>
+                <a:endParaRPr lang="en-US" altLang="ja-JP" dirty="0"/>
               </a:p>
             </p:txBody>
           </p:sp>
@@ -21199,7 +21555,7 @@
               <a:blipFill>
                 <a:blip r:embed="rId2"/>
                 <a:stretch>
-                  <a:fillRect l="-1460" t="-1716" r="-1314"/>
+                  <a:fillRect l="-1263" t="-1176" r="-1404"/>
                 </a:stretch>
               </a:blipFill>
             </p:spPr>
